--- a/Report/PresentazionePpt/EyeTracker.pptx
+++ b/Report/PresentazionePpt/EyeTracker.pptx
@@ -116,6 +116,11 @@
       </a:defRPr>
     </a:lvl9pPr>
   </p:defaultTextStyle>
+  <p:extLst>
+    <p:ext uri="{EFAFB233-063F-42B5-8137-9DF3F51BA10A}">
+      <p15:sldGuideLst xmlns:p15="http://schemas.microsoft.com/office/powerpoint/2012/main"/>
+    </p:ext>
+  </p:extLst>
 </p:presentation>
 </file>
 
@@ -643,7 +648,7 @@
           <a:p>
             <a:r>
               <a:rPr lang="it-IT"/>
-              <a:t>Luigi DiNuzzo - Daniele Foschi - Filippo Veronesi</a:t>
+              <a:t>Luigi di Nuzzo - Daniele Foschi - Filippo Veronesi</a:t>
             </a:r>
           </a:p>
         </p:txBody>
@@ -843,7 +848,7 @@
           <a:p>
             <a:r>
               <a:rPr lang="it-IT"/>
-              <a:t>Luigi DiNuzzo - Daniele Foschi - Filippo Veronesi</a:t>
+              <a:t>Luigi di Nuzzo - Daniele Foschi - Filippo Veronesi</a:t>
             </a:r>
           </a:p>
         </p:txBody>
@@ -1053,7 +1058,7 @@
           <a:p>
             <a:r>
               <a:rPr lang="it-IT"/>
-              <a:t>Luigi DiNuzzo - Daniele Foschi - Filippo Veronesi</a:t>
+              <a:t>Luigi di Nuzzo - Daniele Foschi - Filippo Veronesi</a:t>
             </a:r>
           </a:p>
         </p:txBody>
@@ -1253,7 +1258,7 @@
           <a:p>
             <a:r>
               <a:rPr lang="it-IT"/>
-              <a:t>Luigi DiNuzzo - Daniele Foschi - Filippo Veronesi</a:t>
+              <a:t>Luigi di Nuzzo - Daniele Foschi - Filippo Veronesi</a:t>
             </a:r>
           </a:p>
         </p:txBody>
@@ -1530,7 +1535,7 @@
           <a:p>
             <a:r>
               <a:rPr lang="it-IT"/>
-              <a:t>Luigi DiNuzzo - Daniele Foschi - Filippo Veronesi</a:t>
+              <a:t>Luigi di Nuzzo - Daniele Foschi - Filippo Veronesi</a:t>
             </a:r>
           </a:p>
         </p:txBody>
@@ -1797,7 +1802,7 @@
           <a:p>
             <a:r>
               <a:rPr lang="it-IT"/>
-              <a:t>Luigi DiNuzzo - Daniele Foschi - Filippo Veronesi</a:t>
+              <a:t>Luigi di Nuzzo - Daniele Foschi - Filippo Veronesi</a:t>
             </a:r>
           </a:p>
         </p:txBody>
@@ -2211,7 +2216,7 @@
           <a:p>
             <a:r>
               <a:rPr lang="it-IT"/>
-              <a:t>Luigi DiNuzzo - Daniele Foschi - Filippo Veronesi</a:t>
+              <a:t>Luigi di Nuzzo - Daniele Foschi - Filippo Veronesi</a:t>
             </a:r>
           </a:p>
         </p:txBody>
@@ -2354,7 +2359,7 @@
           <a:p>
             <a:r>
               <a:rPr lang="it-IT"/>
-              <a:t>Luigi DiNuzzo - Daniele Foschi - Filippo Veronesi</a:t>
+              <a:t>Luigi di Nuzzo - Daniele Foschi - Filippo Veronesi</a:t>
             </a:r>
           </a:p>
         </p:txBody>
@@ -2469,7 +2474,7 @@
           <a:p>
             <a:r>
               <a:rPr lang="it-IT"/>
-              <a:t>Luigi DiNuzzo - Daniele Foschi - Filippo Veronesi</a:t>
+              <a:t>Luigi di Nuzzo - Daniele Foschi - Filippo Veronesi</a:t>
             </a:r>
           </a:p>
         </p:txBody>
@@ -2782,7 +2787,7 @@
           <a:p>
             <a:r>
               <a:rPr lang="it-IT"/>
-              <a:t>Luigi DiNuzzo - Daniele Foschi - Filippo Veronesi</a:t>
+              <a:t>Luigi di Nuzzo - Daniele Foschi - Filippo Veronesi</a:t>
             </a:r>
           </a:p>
         </p:txBody>
@@ -3072,7 +3077,7 @@
           <a:p>
             <a:r>
               <a:rPr lang="it-IT"/>
-              <a:t>Luigi DiNuzzo - Daniele Foschi - Filippo Veronesi</a:t>
+              <a:t>Luigi di Nuzzo - Daniele Foschi - Filippo Veronesi</a:t>
             </a:r>
           </a:p>
         </p:txBody>
@@ -3333,7 +3338,7 @@
           <a:p>
             <a:r>
               <a:rPr lang="it-IT"/>
-              <a:t>Luigi DiNuzzo - Daniele Foschi - Filippo Veronesi</a:t>
+              <a:t>Luigi di Nuzzo - Daniele Foschi - Filippo Veronesi</a:t>
             </a:r>
           </a:p>
         </p:txBody>
@@ -3817,7 +3822,7 @@
           <a:p>
             <a:r>
               <a:rPr lang="it-IT"/>
-              <a:t>Luigi DiNuzzo - Daniele Foschi - Filippo Veronesi</a:t>
+              <a:t>Luigi di Nuzzo - Daniele Foschi - Filippo Veronesi</a:t>
             </a:r>
           </a:p>
         </p:txBody>
@@ -3982,7 +3987,7 @@
           <a:p>
             <a:r>
               <a:rPr lang="it-IT"/>
-              <a:t>Luigi DiNuzzo - Daniele Foschi - Filippo Veronesi</a:t>
+              <a:t>Luigi di Nuzzo - Daniele Foschi - Filippo Veronesi</a:t>
             </a:r>
           </a:p>
         </p:txBody>
@@ -4147,7 +4152,7 @@
           <a:p>
             <a:r>
               <a:rPr lang="it-IT"/>
-              <a:t>Luigi DiNuzzo - Daniele Foschi - Filippo Veronesi</a:t>
+              <a:t>Luigi di Nuzzo - Daniele Foschi - Filippo Veronesi</a:t>
             </a:r>
           </a:p>
         </p:txBody>
@@ -4312,7 +4317,7 @@
           <a:p>
             <a:r>
               <a:rPr lang="it-IT"/>
-              <a:t>Luigi DiNuzzo - Daniele Foschi - Filippo Veronesi</a:t>
+              <a:t>Luigi di Nuzzo - Daniele Foschi - Filippo Veronesi</a:t>
             </a:r>
           </a:p>
         </p:txBody>
@@ -4477,7 +4482,7 @@
           <a:p>
             <a:r>
               <a:rPr lang="it-IT"/>
-              <a:t>Luigi DiNuzzo - Daniele Foschi - Filippo Veronesi</a:t>
+              <a:t>Luigi di Nuzzo - Daniele Foschi - Filippo Veronesi</a:t>
             </a:r>
           </a:p>
         </p:txBody>
@@ -4642,7 +4647,7 @@
           <a:p>
             <a:r>
               <a:rPr lang="it-IT"/>
-              <a:t>Luigi DiNuzzo - Daniele Foschi - Filippo Veronesi</a:t>
+              <a:t>Luigi di Nuzzo - Daniele Foschi - Filippo Veronesi</a:t>
             </a:r>
           </a:p>
         </p:txBody>
@@ -4807,7 +4812,7 @@
           <a:p>
             <a:r>
               <a:rPr lang="it-IT"/>
-              <a:t>Luigi DiNuzzo - Daniele Foschi - Filippo Veronesi</a:t>
+              <a:t>Luigi di Nuzzo - Daniele Foschi - Filippo Veronesi</a:t>
             </a:r>
           </a:p>
         </p:txBody>
@@ -4972,7 +4977,7 @@
           <a:p>
             <a:r>
               <a:rPr lang="it-IT"/>
-              <a:t>Luigi DiNuzzo - Daniele Foschi - Filippo Veronesi</a:t>
+              <a:t>Luigi di Nuzzo - Daniele Foschi - Filippo Veronesi</a:t>
             </a:r>
           </a:p>
         </p:txBody>
@@ -5137,7 +5142,7 @@
           <a:p>
             <a:r>
               <a:rPr lang="it-IT"/>
-              <a:t>Luigi DiNuzzo - Daniele Foschi - Filippo Veronesi</a:t>
+              <a:t>Luigi di Nuzzo - Daniele Foschi - Filippo Veronesi</a:t>
             </a:r>
           </a:p>
         </p:txBody>
@@ -5302,7 +5307,7 @@
           <a:p>
             <a:r>
               <a:rPr lang="it-IT"/>
-              <a:t>Luigi DiNuzzo - Daniele Foschi - Filippo Veronesi</a:t>
+              <a:t>Luigi di Nuzzo - Daniele Foschi - Filippo Veronesi</a:t>
             </a:r>
           </a:p>
         </p:txBody>

--- a/Report/PresentazionePpt/EyeTracker.pptx
+++ b/Report/PresentazionePpt/EyeTracker.pptx
@@ -5,19 +5,21 @@
     <p:sldMasterId id="2147483648" r:id="rId1"/>
   </p:sldMasterIdLst>
   <p:notesMasterIdLst>
-    <p:notesMasterId r:id="rId12"/>
+    <p:notesMasterId r:id="rId14"/>
   </p:notesMasterIdLst>
   <p:sldIdLst>
     <p:sldId id="256" r:id="rId2"/>
     <p:sldId id="257" r:id="rId3"/>
     <p:sldId id="258" r:id="rId4"/>
     <p:sldId id="259" r:id="rId5"/>
-    <p:sldId id="260" r:id="rId6"/>
-    <p:sldId id="261" r:id="rId7"/>
-    <p:sldId id="262" r:id="rId8"/>
-    <p:sldId id="263" r:id="rId9"/>
-    <p:sldId id="264" r:id="rId10"/>
-    <p:sldId id="265" r:id="rId11"/>
+    <p:sldId id="261" r:id="rId6"/>
+    <p:sldId id="262" r:id="rId7"/>
+    <p:sldId id="263" r:id="rId8"/>
+    <p:sldId id="264" r:id="rId9"/>
+    <p:sldId id="265" r:id="rId10"/>
+    <p:sldId id="267" r:id="rId11"/>
+    <p:sldId id="266" r:id="rId12"/>
+    <p:sldId id="268" r:id="rId13"/>
   </p:sldIdLst>
   <p:sldSz cx="12192000" cy="6858000"/>
   <p:notesSz cx="6858000" cy="9144000"/>
@@ -206,7 +208,7 @@
           <a:p>
             <a:fld id="{3A958ABD-6551-434E-8527-254149EA2BA4}" type="datetimeFigureOut">
               <a:rPr lang="it-IT" smtClean="0"/>
-              <a:t>01/04/2022</a:t>
+              <a:t>25/04/2022</a:t>
             </a:fld>
             <a:endParaRPr lang="it-IT"/>
           </a:p>
@@ -364,7 +366,7 @@
           <a:p>
             <a:fld id="{7213A19D-94A6-4DF7-AFBF-2363A5A66BC2}" type="slidenum">
               <a:rPr lang="it-IT" smtClean="0"/>
-              <a:t>‹N›</a:t>
+              <a:t>‹#›</a:t>
             </a:fld>
             <a:endParaRPr lang="it-IT"/>
           </a:p>
@@ -676,7 +678,7 @@
           <a:p>
             <a:fld id="{9046E5C1-5557-495E-B153-B7AAA265C753}" type="slidenum">
               <a:rPr lang="it-IT" smtClean="0"/>
-              <a:t>‹N›</a:t>
+              <a:t>‹#›</a:t>
             </a:fld>
             <a:endParaRPr lang="it-IT"/>
           </a:p>
@@ -876,7 +878,7 @@
           <a:p>
             <a:fld id="{9046E5C1-5557-495E-B153-B7AAA265C753}" type="slidenum">
               <a:rPr lang="it-IT" smtClean="0"/>
-              <a:t>‹N›</a:t>
+              <a:t>‹#›</a:t>
             </a:fld>
             <a:endParaRPr lang="it-IT"/>
           </a:p>
@@ -1086,7 +1088,7 @@
           <a:p>
             <a:fld id="{9046E5C1-5557-495E-B153-B7AAA265C753}" type="slidenum">
               <a:rPr lang="it-IT" smtClean="0"/>
-              <a:t>‹N›</a:t>
+              <a:t>‹#›</a:t>
             </a:fld>
             <a:endParaRPr lang="it-IT"/>
           </a:p>
@@ -1286,7 +1288,7 @@
           <a:p>
             <a:fld id="{9046E5C1-5557-495E-B153-B7AAA265C753}" type="slidenum">
               <a:rPr lang="it-IT" smtClean="0"/>
-              <a:t>‹N›</a:t>
+              <a:t>‹#›</a:t>
             </a:fld>
             <a:endParaRPr lang="it-IT"/>
           </a:p>
@@ -1563,7 +1565,7 @@
           <a:p>
             <a:fld id="{9046E5C1-5557-495E-B153-B7AAA265C753}" type="slidenum">
               <a:rPr lang="it-IT" smtClean="0"/>
-              <a:t>‹N›</a:t>
+              <a:t>‹#›</a:t>
             </a:fld>
             <a:endParaRPr lang="it-IT"/>
           </a:p>
@@ -1830,7 +1832,7 @@
           <a:p>
             <a:fld id="{9046E5C1-5557-495E-B153-B7AAA265C753}" type="slidenum">
               <a:rPr lang="it-IT" smtClean="0"/>
-              <a:t>‹N›</a:t>
+              <a:t>‹#›</a:t>
             </a:fld>
             <a:endParaRPr lang="it-IT"/>
           </a:p>
@@ -2244,7 +2246,7 @@
           <a:p>
             <a:fld id="{9046E5C1-5557-495E-B153-B7AAA265C753}" type="slidenum">
               <a:rPr lang="it-IT" smtClean="0"/>
-              <a:t>‹N›</a:t>
+              <a:t>‹#›</a:t>
             </a:fld>
             <a:endParaRPr lang="it-IT"/>
           </a:p>
@@ -2387,7 +2389,7 @@
           <a:p>
             <a:fld id="{9046E5C1-5557-495E-B153-B7AAA265C753}" type="slidenum">
               <a:rPr lang="it-IT" smtClean="0"/>
-              <a:t>‹N›</a:t>
+              <a:t>‹#›</a:t>
             </a:fld>
             <a:endParaRPr lang="it-IT"/>
           </a:p>
@@ -2502,7 +2504,7 @@
           <a:p>
             <a:fld id="{9046E5C1-5557-495E-B153-B7AAA265C753}" type="slidenum">
               <a:rPr lang="it-IT" smtClean="0"/>
-              <a:t>‹N›</a:t>
+              <a:t>‹#›</a:t>
             </a:fld>
             <a:endParaRPr lang="it-IT"/>
           </a:p>
@@ -2815,7 +2817,7 @@
           <a:p>
             <a:fld id="{9046E5C1-5557-495E-B153-B7AAA265C753}" type="slidenum">
               <a:rPr lang="it-IT" smtClean="0"/>
-              <a:t>‹N›</a:t>
+              <a:t>‹#›</a:t>
             </a:fld>
             <a:endParaRPr lang="it-IT"/>
           </a:p>
@@ -3105,7 +3107,7 @@
           <a:p>
             <a:fld id="{9046E5C1-5557-495E-B153-B7AAA265C753}" type="slidenum">
               <a:rPr lang="it-IT" smtClean="0"/>
-              <a:t>‹N›</a:t>
+              <a:t>‹#›</a:t>
             </a:fld>
             <a:endParaRPr lang="it-IT"/>
           </a:p>
@@ -3384,7 +3386,7 @@
           <a:p>
             <a:fld id="{9046E5C1-5557-495E-B153-B7AAA265C753}" type="slidenum">
               <a:rPr lang="it-IT" smtClean="0"/>
-              <a:t>‹N›</a:t>
+              <a:t>‹#›</a:t>
             </a:fld>
             <a:endParaRPr lang="it-IT"/>
           </a:p>
@@ -3907,7 +3909,10 @@
           <a:bodyPr/>
           <a:lstStyle/>
           <a:p>
-            <a:endParaRPr lang="it-IT"/>
+            <a:r>
+              <a:rPr lang="it-IT" dirty="0"/>
+              <a:t>Android</a:t>
+            </a:r>
           </a:p>
         </p:txBody>
       </p:sp>
@@ -3927,12 +3932,30 @@
             <p:ph idx="1"/>
           </p:nvPr>
         </p:nvSpPr>
-        <p:spPr/>
-        <p:txBody>
-          <a:bodyPr/>
-          <a:lstStyle/>
-          <a:p>
-            <a:endParaRPr lang="it-IT"/>
+        <p:spPr>
+          <a:xfrm>
+            <a:off x="838200" y="1825625"/>
+            <a:ext cx="9587669" cy="481739"/>
+          </a:xfrm>
+        </p:spPr>
+        <p:txBody>
+          <a:bodyPr>
+            <a:normAutofit/>
+          </a:bodyPr>
+          <a:lstStyle/>
+          <a:p>
+            <a:pPr marL="0" indent="0">
+              <a:buNone/>
+            </a:pPr>
+            <a:r>
+              <a:rPr lang="it-IT" sz="2400" b="1" dirty="0"/>
+              <a:t>Interfaccia </a:t>
+            </a:r>
+            <a:r>
+              <a:rPr lang="it-IT" sz="2400" b="1" dirty="0" err="1"/>
+              <a:t>Calibration</a:t>
+            </a:r>
+            <a:endParaRPr lang="it-IT" sz="2400" b="1" dirty="0"/>
           </a:p>
         </p:txBody>
       </p:sp>
@@ -4021,10 +4044,522 @@
           </a:p>
         </p:txBody>
       </p:sp>
+      <p:pic>
+        <p:nvPicPr>
+          <p:cNvPr id="8" name="Picture 7" descr="A picture containing electronics&#10;&#10;Description automatically generated">
+            <a:extLst>
+              <a:ext uri="{FF2B5EF4-FFF2-40B4-BE49-F238E27FC236}">
+                <a16:creationId xmlns:a16="http://schemas.microsoft.com/office/drawing/2014/main" id="{F6042879-EF27-4CC0-BA24-AE5AC521DC12}"/>
+              </a:ext>
+            </a:extLst>
+          </p:cNvPr>
+          <p:cNvPicPr>
+            <a:picLocks noChangeAspect="1"/>
+          </p:cNvPicPr>
+          <p:nvPr/>
+        </p:nvPicPr>
+        <p:blipFill>
+          <a:blip r:embed="rId2">
+            <a:extLst>
+              <a:ext uri="{28A0092B-C50C-407E-A947-70E740481C1C}">
+                <a14:useLocalDpi xmlns:a14="http://schemas.microsoft.com/office/drawing/2010/main" val="0"/>
+              </a:ext>
+            </a:extLst>
+          </a:blip>
+          <a:stretch>
+            <a:fillRect/>
+          </a:stretch>
+        </p:blipFill>
+        <p:spPr>
+          <a:xfrm>
+            <a:off x="7802863" y="1027906"/>
+            <a:ext cx="2623006" cy="4663122"/>
+          </a:xfrm>
+          <a:prstGeom prst="rect">
+            <a:avLst/>
+          </a:prstGeom>
+        </p:spPr>
+      </p:pic>
     </p:spTree>
     <p:extLst>
       <p:ext uri="{BB962C8B-B14F-4D97-AF65-F5344CB8AC3E}">
-        <p14:creationId xmlns:p14="http://schemas.microsoft.com/office/powerpoint/2010/main" val="2094974589"/>
+        <p14:creationId xmlns:p14="http://schemas.microsoft.com/office/powerpoint/2010/main" val="3567772369"/>
+      </p:ext>
+    </p:extLst>
+  </p:cSld>
+  <p:clrMapOvr>
+    <a:masterClrMapping/>
+  </p:clrMapOvr>
+</p:sld>
+</file>
+
+<file path=ppt/slides/slide11.xml><?xml version="1.0" encoding="utf-8"?>
+<p:sld xmlns:a="http://schemas.openxmlformats.org/drawingml/2006/main" xmlns:r="http://schemas.openxmlformats.org/officeDocument/2006/relationships" xmlns:p="http://schemas.openxmlformats.org/presentationml/2006/main">
+  <p:cSld>
+    <p:spTree>
+      <p:nvGrpSpPr>
+        <p:cNvPr id="1" name=""/>
+        <p:cNvGrpSpPr/>
+        <p:nvPr/>
+      </p:nvGrpSpPr>
+      <p:grpSpPr>
+        <a:xfrm>
+          <a:off x="0" y="0"/>
+          <a:ext cx="0" cy="0"/>
+          <a:chOff x="0" y="0"/>
+          <a:chExt cx="0" cy="0"/>
+        </a:xfrm>
+      </p:grpSpPr>
+      <p:sp>
+        <p:nvSpPr>
+          <p:cNvPr id="2" name="Titolo 1">
+            <a:extLst>
+              <a:ext uri="{FF2B5EF4-FFF2-40B4-BE49-F238E27FC236}">
+                <a16:creationId xmlns:a16="http://schemas.microsoft.com/office/drawing/2014/main" id="{7904DD96-398A-484D-9D6A-E9769FCA4BDD}"/>
+              </a:ext>
+            </a:extLst>
+          </p:cNvPr>
+          <p:cNvSpPr>
+            <a:spLocks noGrp="1"/>
+          </p:cNvSpPr>
+          <p:nvPr>
+            <p:ph type="title"/>
+          </p:nvPr>
+        </p:nvSpPr>
+        <p:spPr/>
+        <p:txBody>
+          <a:bodyPr/>
+          <a:lstStyle/>
+          <a:p>
+            <a:r>
+              <a:rPr lang="it-IT" dirty="0"/>
+              <a:t>Android</a:t>
+            </a:r>
+          </a:p>
+        </p:txBody>
+      </p:sp>
+      <p:sp>
+        <p:nvSpPr>
+          <p:cNvPr id="3" name="Segnaposto contenuto 2">
+            <a:extLst>
+              <a:ext uri="{FF2B5EF4-FFF2-40B4-BE49-F238E27FC236}">
+                <a16:creationId xmlns:a16="http://schemas.microsoft.com/office/drawing/2014/main" id="{9A073C9C-9201-44CD-AE3D-C620747D0A37}"/>
+              </a:ext>
+            </a:extLst>
+          </p:cNvPr>
+          <p:cNvSpPr>
+            <a:spLocks noGrp="1"/>
+          </p:cNvSpPr>
+          <p:nvPr>
+            <p:ph idx="1"/>
+          </p:nvPr>
+        </p:nvSpPr>
+        <p:spPr>
+          <a:xfrm>
+            <a:off x="838200" y="1825625"/>
+            <a:ext cx="9587669" cy="481739"/>
+          </a:xfrm>
+        </p:spPr>
+        <p:txBody>
+          <a:bodyPr>
+            <a:normAutofit/>
+          </a:bodyPr>
+          <a:lstStyle/>
+          <a:p>
+            <a:pPr marL="0" indent="0">
+              <a:buNone/>
+            </a:pPr>
+            <a:r>
+              <a:rPr lang="it-IT" sz="2400" b="1" dirty="0"/>
+              <a:t>Interfaccia Game</a:t>
+            </a:r>
+          </a:p>
+        </p:txBody>
+      </p:sp>
+      <p:sp>
+        <p:nvSpPr>
+          <p:cNvPr id="4" name="Segnaposto data 3">
+            <a:extLst>
+              <a:ext uri="{FF2B5EF4-FFF2-40B4-BE49-F238E27FC236}">
+                <a16:creationId xmlns:a16="http://schemas.microsoft.com/office/drawing/2014/main" id="{2058C7E7-5916-498F-A3DC-AA61FD735AF0}"/>
+              </a:ext>
+            </a:extLst>
+          </p:cNvPr>
+          <p:cNvSpPr>
+            <a:spLocks noGrp="1"/>
+          </p:cNvSpPr>
+          <p:nvPr>
+            <p:ph type="dt" sz="half" idx="10"/>
+          </p:nvPr>
+        </p:nvSpPr>
+        <p:spPr/>
+        <p:txBody>
+          <a:bodyPr/>
+          <a:lstStyle/>
+          <a:p>
+            <a:r>
+              <a:rPr lang="it-IT"/>
+              <a:t>Sistemi Digitali M</a:t>
+            </a:r>
+          </a:p>
+        </p:txBody>
+      </p:sp>
+      <p:sp>
+        <p:nvSpPr>
+          <p:cNvPr id="5" name="Segnaposto piè di pagina 4">
+            <a:extLst>
+              <a:ext uri="{FF2B5EF4-FFF2-40B4-BE49-F238E27FC236}">
+                <a16:creationId xmlns:a16="http://schemas.microsoft.com/office/drawing/2014/main" id="{A96EEA40-7EBC-43DB-A7D6-9CAB3C59E707}"/>
+              </a:ext>
+            </a:extLst>
+          </p:cNvPr>
+          <p:cNvSpPr>
+            <a:spLocks noGrp="1"/>
+          </p:cNvSpPr>
+          <p:nvPr>
+            <p:ph type="ftr" sz="quarter" idx="11"/>
+          </p:nvPr>
+        </p:nvSpPr>
+        <p:spPr/>
+        <p:txBody>
+          <a:bodyPr/>
+          <a:lstStyle/>
+          <a:p>
+            <a:r>
+              <a:rPr lang="it-IT"/>
+              <a:t>Luigi di Nuzzo - Daniele Foschi - Filippo Veronesi</a:t>
+            </a:r>
+          </a:p>
+        </p:txBody>
+      </p:sp>
+      <p:sp>
+        <p:nvSpPr>
+          <p:cNvPr id="6" name="Segnaposto numero diapositiva 5">
+            <a:extLst>
+              <a:ext uri="{FF2B5EF4-FFF2-40B4-BE49-F238E27FC236}">
+                <a16:creationId xmlns:a16="http://schemas.microsoft.com/office/drawing/2014/main" id="{0765EEFD-7E86-4E68-B8A0-78099667318F}"/>
+              </a:ext>
+            </a:extLst>
+          </p:cNvPr>
+          <p:cNvSpPr>
+            <a:spLocks noGrp="1"/>
+          </p:cNvSpPr>
+          <p:nvPr>
+            <p:ph type="sldNum" sz="quarter" idx="12"/>
+          </p:nvPr>
+        </p:nvSpPr>
+        <p:spPr/>
+        <p:txBody>
+          <a:bodyPr/>
+          <a:lstStyle/>
+          <a:p>
+            <a:fld id="{9046E5C1-5557-495E-B153-B7AAA265C753}" type="slidenum">
+              <a:rPr lang="it-IT" smtClean="0"/>
+              <a:t>11</a:t>
+            </a:fld>
+            <a:endParaRPr lang="it-IT"/>
+          </a:p>
+        </p:txBody>
+      </p:sp>
+      <p:pic>
+        <p:nvPicPr>
+          <p:cNvPr id="9" name="Picture 8" descr="Graphical user interface, text, application, chat or text message&#10;&#10;Description automatically generated">
+            <a:extLst>
+              <a:ext uri="{FF2B5EF4-FFF2-40B4-BE49-F238E27FC236}">
+                <a16:creationId xmlns:a16="http://schemas.microsoft.com/office/drawing/2014/main" id="{318BB309-26C9-433E-A800-81207185B89D}"/>
+              </a:ext>
+            </a:extLst>
+          </p:cNvPr>
+          <p:cNvPicPr>
+            <a:picLocks noChangeAspect="1"/>
+          </p:cNvPicPr>
+          <p:nvPr/>
+        </p:nvPicPr>
+        <p:blipFill>
+          <a:blip r:embed="rId2">
+            <a:extLst>
+              <a:ext uri="{28A0092B-C50C-407E-A947-70E740481C1C}">
+                <a14:useLocalDpi xmlns:a14="http://schemas.microsoft.com/office/drawing/2010/main" val="0"/>
+              </a:ext>
+            </a:extLst>
+          </a:blip>
+          <a:stretch>
+            <a:fillRect/>
+          </a:stretch>
+        </p:blipFill>
+        <p:spPr>
+          <a:xfrm>
+            <a:off x="8022895" y="825928"/>
+            <a:ext cx="2763982" cy="4913746"/>
+          </a:xfrm>
+          <a:prstGeom prst="rect">
+            <a:avLst/>
+          </a:prstGeom>
+        </p:spPr>
+      </p:pic>
+      <p:sp>
+        <p:nvSpPr>
+          <p:cNvPr id="11" name="TextBox 10">
+            <a:extLst>
+              <a:ext uri="{FF2B5EF4-FFF2-40B4-BE49-F238E27FC236}">
+                <a16:creationId xmlns:a16="http://schemas.microsoft.com/office/drawing/2014/main" id="{058D4E69-9808-4AEF-8B7B-18AB3E2806A1}"/>
+              </a:ext>
+            </a:extLst>
+          </p:cNvPr>
+          <p:cNvSpPr txBox="1"/>
+          <p:nvPr/>
+        </p:nvSpPr>
+        <p:spPr>
+          <a:xfrm>
+            <a:off x="838200" y="2442301"/>
+            <a:ext cx="6101697" cy="1754326"/>
+          </a:xfrm>
+          <a:prstGeom prst="rect">
+            <a:avLst/>
+          </a:prstGeom>
+          <a:noFill/>
+        </p:spPr>
+        <p:txBody>
+          <a:bodyPr wrap="square" rtlCol="0">
+            <a:spAutoFit/>
+          </a:bodyPr>
+          <a:lstStyle/>
+          <a:p>
+            <a:r>
+              <a:rPr lang="it-IT" dirty="0"/>
+              <a:t>Sfrutta le potenzialità della rete neurale sottostante. </a:t>
+            </a:r>
+          </a:p>
+          <a:p>
+            <a:r>
+              <a:rPr lang="it-IT" dirty="0"/>
+              <a:t>Tramite un Quiz, l'utente risponde alle domande casuali semplicemente spostando il cellulare: infatti viene riconosciuto l'occhio e viene visualizzato un puntatore che lo identifica sullo schermo in modo tale da portarlo sulla risposta corretta posizionata su uno dei 4 angoli dello schermo. </a:t>
+            </a:r>
+          </a:p>
+        </p:txBody>
+      </p:sp>
+      <p:sp>
+        <p:nvSpPr>
+          <p:cNvPr id="12" name="TextBox 11">
+            <a:extLst>
+              <a:ext uri="{FF2B5EF4-FFF2-40B4-BE49-F238E27FC236}">
+                <a16:creationId xmlns:a16="http://schemas.microsoft.com/office/drawing/2014/main" id="{73642536-3B76-498D-A432-1DF91C4FD956}"/>
+              </a:ext>
+            </a:extLst>
+          </p:cNvPr>
+          <p:cNvSpPr txBox="1"/>
+          <p:nvPr/>
+        </p:nvSpPr>
+        <p:spPr>
+          <a:xfrm>
+            <a:off x="838200" y="4310201"/>
+            <a:ext cx="6161518" cy="923330"/>
+          </a:xfrm>
+          <a:prstGeom prst="rect">
+            <a:avLst/>
+          </a:prstGeom>
+          <a:noFill/>
+        </p:spPr>
+        <p:txBody>
+          <a:bodyPr wrap="square" rtlCol="0">
+            <a:spAutoFit/>
+          </a:bodyPr>
+          <a:lstStyle/>
+          <a:p>
+            <a:r>
+              <a:rPr lang="it-IT" dirty="0"/>
+              <a:t>I dati delle domande e delle risposte recuperate tramite API pubbliche: viene inviata una richiesta Url e vengono ricevuti i dati casuali in formato JSON.</a:t>
+            </a:r>
+          </a:p>
+        </p:txBody>
+      </p:sp>
+    </p:spTree>
+    <p:extLst>
+      <p:ext uri="{BB962C8B-B14F-4D97-AF65-F5344CB8AC3E}">
+        <p14:creationId xmlns:p14="http://schemas.microsoft.com/office/powerpoint/2010/main" val="682758950"/>
+      </p:ext>
+    </p:extLst>
+  </p:cSld>
+  <p:clrMapOvr>
+    <a:masterClrMapping/>
+  </p:clrMapOvr>
+</p:sld>
+</file>
+
+<file path=ppt/slides/slide12.xml><?xml version="1.0" encoding="utf-8"?>
+<p:sld xmlns:a="http://schemas.openxmlformats.org/drawingml/2006/main" xmlns:r="http://schemas.openxmlformats.org/officeDocument/2006/relationships" xmlns:p="http://schemas.openxmlformats.org/presentationml/2006/main">
+  <p:cSld>
+    <p:spTree>
+      <p:nvGrpSpPr>
+        <p:cNvPr id="1" name=""/>
+        <p:cNvGrpSpPr/>
+        <p:nvPr/>
+      </p:nvGrpSpPr>
+      <p:grpSpPr>
+        <a:xfrm>
+          <a:off x="0" y="0"/>
+          <a:ext cx="0" cy="0"/>
+          <a:chOff x="0" y="0"/>
+          <a:chExt cx="0" cy="0"/>
+        </a:xfrm>
+      </p:grpSpPr>
+      <p:sp>
+        <p:nvSpPr>
+          <p:cNvPr id="2" name="Title 1">
+            <a:extLst>
+              <a:ext uri="{FF2B5EF4-FFF2-40B4-BE49-F238E27FC236}">
+                <a16:creationId xmlns:a16="http://schemas.microsoft.com/office/drawing/2014/main" id="{7FADFD63-B14A-41B6-A566-C07E680392BE}"/>
+              </a:ext>
+            </a:extLst>
+          </p:cNvPr>
+          <p:cNvSpPr>
+            <a:spLocks noGrp="1"/>
+          </p:cNvSpPr>
+          <p:nvPr>
+            <p:ph type="title"/>
+          </p:nvPr>
+        </p:nvSpPr>
+        <p:spPr/>
+        <p:txBody>
+          <a:bodyPr/>
+          <a:lstStyle/>
+          <a:p>
+            <a:r>
+              <a:rPr lang="it-IT" dirty="0"/>
+              <a:t>Conclusioni</a:t>
+            </a:r>
+          </a:p>
+        </p:txBody>
+      </p:sp>
+      <p:sp>
+        <p:nvSpPr>
+          <p:cNvPr id="3" name="Content Placeholder 2">
+            <a:extLst>
+              <a:ext uri="{FF2B5EF4-FFF2-40B4-BE49-F238E27FC236}">
+                <a16:creationId xmlns:a16="http://schemas.microsoft.com/office/drawing/2014/main" id="{898C48D4-B9D1-4745-B287-EEADB9B73F97}"/>
+              </a:ext>
+            </a:extLst>
+          </p:cNvPr>
+          <p:cNvSpPr>
+            <a:spLocks noGrp="1"/>
+          </p:cNvSpPr>
+          <p:nvPr>
+            <p:ph idx="1"/>
+          </p:nvPr>
+        </p:nvSpPr>
+        <p:spPr/>
+        <p:txBody>
+          <a:bodyPr/>
+          <a:lstStyle/>
+          <a:p>
+            <a:r>
+              <a:rPr lang="it-IT" dirty="0"/>
+              <a:t>Punto 1</a:t>
+            </a:r>
+          </a:p>
+          <a:p>
+            <a:r>
+              <a:rPr lang="it-IT" dirty="0"/>
+              <a:t>Punto 2</a:t>
+            </a:r>
+          </a:p>
+          <a:p>
+            <a:r>
+              <a:rPr lang="it-IT" dirty="0"/>
+              <a:t>Punto 3</a:t>
+            </a:r>
+          </a:p>
+        </p:txBody>
+      </p:sp>
+      <p:sp>
+        <p:nvSpPr>
+          <p:cNvPr id="4" name="Date Placeholder 3">
+            <a:extLst>
+              <a:ext uri="{FF2B5EF4-FFF2-40B4-BE49-F238E27FC236}">
+                <a16:creationId xmlns:a16="http://schemas.microsoft.com/office/drawing/2014/main" id="{D39EEB75-EAAC-468A-8EDB-0414ADA8D03E}"/>
+              </a:ext>
+            </a:extLst>
+          </p:cNvPr>
+          <p:cNvSpPr>
+            <a:spLocks noGrp="1"/>
+          </p:cNvSpPr>
+          <p:nvPr>
+            <p:ph type="dt" sz="half" idx="10"/>
+          </p:nvPr>
+        </p:nvSpPr>
+        <p:spPr/>
+        <p:txBody>
+          <a:bodyPr/>
+          <a:lstStyle/>
+          <a:p>
+            <a:r>
+              <a:rPr lang="it-IT"/>
+              <a:t>Sistemi Digitali M</a:t>
+            </a:r>
+          </a:p>
+        </p:txBody>
+      </p:sp>
+      <p:sp>
+        <p:nvSpPr>
+          <p:cNvPr id="5" name="Footer Placeholder 4">
+            <a:extLst>
+              <a:ext uri="{FF2B5EF4-FFF2-40B4-BE49-F238E27FC236}">
+                <a16:creationId xmlns:a16="http://schemas.microsoft.com/office/drawing/2014/main" id="{A3175FC0-ECE9-4ACC-B575-E59D9F80E84F}"/>
+              </a:ext>
+            </a:extLst>
+          </p:cNvPr>
+          <p:cNvSpPr>
+            <a:spLocks noGrp="1"/>
+          </p:cNvSpPr>
+          <p:nvPr>
+            <p:ph type="ftr" sz="quarter" idx="11"/>
+          </p:nvPr>
+        </p:nvSpPr>
+        <p:spPr/>
+        <p:txBody>
+          <a:bodyPr/>
+          <a:lstStyle/>
+          <a:p>
+            <a:r>
+              <a:rPr lang="it-IT"/>
+              <a:t>Luigi di Nuzzo - Daniele Foschi - Filippo Veronesi</a:t>
+            </a:r>
+          </a:p>
+        </p:txBody>
+      </p:sp>
+      <p:sp>
+        <p:nvSpPr>
+          <p:cNvPr id="6" name="Slide Number Placeholder 5">
+            <a:extLst>
+              <a:ext uri="{FF2B5EF4-FFF2-40B4-BE49-F238E27FC236}">
+                <a16:creationId xmlns:a16="http://schemas.microsoft.com/office/drawing/2014/main" id="{53AE3CD7-F268-4EB5-BBD4-90309B7E159C}"/>
+              </a:ext>
+            </a:extLst>
+          </p:cNvPr>
+          <p:cNvSpPr>
+            <a:spLocks noGrp="1"/>
+          </p:cNvSpPr>
+          <p:nvPr>
+            <p:ph type="sldNum" sz="quarter" idx="12"/>
+          </p:nvPr>
+        </p:nvSpPr>
+        <p:spPr/>
+        <p:txBody>
+          <a:bodyPr/>
+          <a:lstStyle/>
+          <a:p>
+            <a:fld id="{9046E5C1-5557-495E-B153-B7AAA265C753}" type="slidenum">
+              <a:rPr lang="it-IT" smtClean="0"/>
+              <a:t>12</a:t>
+            </a:fld>
+            <a:endParaRPr lang="it-IT"/>
+          </a:p>
+        </p:txBody>
+      </p:sp>
+    </p:spTree>
+    <p:extLst>
+      <p:ext uri="{BB962C8B-B14F-4D97-AF65-F5344CB8AC3E}">
+        <p14:creationId xmlns:p14="http://schemas.microsoft.com/office/powerpoint/2010/main" val="1707729551"/>
       </p:ext>
     </p:extLst>
   </p:cSld>
@@ -4072,7 +4607,10 @@
           <a:bodyPr/>
           <a:lstStyle/>
           <a:p>
-            <a:endParaRPr lang="it-IT"/>
+            <a:r>
+              <a:rPr lang="it-IT" dirty="0"/>
+              <a:t>Introduzione</a:t>
+            </a:r>
           </a:p>
         </p:txBody>
       </p:sp>
@@ -4092,12 +4630,68 @@
             <p:ph idx="1"/>
           </p:nvPr>
         </p:nvSpPr>
-        <p:spPr/>
-        <p:txBody>
-          <a:bodyPr/>
-          <a:lstStyle/>
-          <a:p>
-            <a:endParaRPr lang="it-IT"/>
+        <p:spPr>
+          <a:xfrm>
+            <a:off x="838201" y="1825625"/>
+            <a:ext cx="7878510" cy="4351338"/>
+          </a:xfrm>
+        </p:spPr>
+        <p:txBody>
+          <a:bodyPr/>
+          <a:lstStyle/>
+          <a:p>
+            <a:r>
+              <a:rPr lang="it-IT" dirty="0"/>
+              <a:t>Realizzazione di un </a:t>
+            </a:r>
+            <a:r>
+              <a:rPr lang="it-IT" b="1" dirty="0"/>
+              <a:t>app in Android </a:t>
+            </a:r>
+            <a:r>
+              <a:rPr lang="it-IT" dirty="0"/>
+              <a:t>in grado di riconoscere gli occhi di uno o più utenti.</a:t>
+            </a:r>
+          </a:p>
+          <a:p>
+            <a:r>
+              <a:rPr lang="it-IT" dirty="0"/>
+              <a:t>Rete neurale </a:t>
+            </a:r>
+            <a:r>
+              <a:rPr lang="it-IT" dirty="0" err="1"/>
+              <a:t>convoluzionale</a:t>
+            </a:r>
+            <a:r>
+              <a:rPr lang="it-IT" dirty="0"/>
+              <a:t> (CNN) ottimizzata per sistemi embedded.</a:t>
+            </a:r>
+          </a:p>
+          <a:p>
+            <a:r>
+              <a:rPr lang="it-IT" dirty="0"/>
+              <a:t>Filtraggio </a:t>
+            </a:r>
+            <a:r>
+              <a:rPr lang="it-IT" dirty="0" err="1"/>
+              <a:t>real</a:t>
+            </a:r>
+            <a:r>
+              <a:rPr lang="it-IT" dirty="0"/>
+              <a:t> time delle immagini tramite fotocamera interna e esterna.</a:t>
+            </a:r>
+          </a:p>
+          <a:p>
+            <a:r>
+              <a:rPr lang="it-IT" dirty="0"/>
+              <a:t>Mini gioco Quiz per sfruttare la rete neurale.</a:t>
+            </a:r>
+          </a:p>
+          <a:p>
+            <a:endParaRPr lang="it-IT" dirty="0"/>
+          </a:p>
+          <a:p>
+            <a:endParaRPr lang="it-IT" dirty="0"/>
           </a:p>
         </p:txBody>
       </p:sp>
@@ -4237,7 +4831,10 @@
           <a:bodyPr/>
           <a:lstStyle/>
           <a:p>
-            <a:endParaRPr lang="it-IT"/>
+            <a:r>
+              <a:rPr lang="it-IT" dirty="0"/>
+              <a:t>Dataset</a:t>
+            </a:r>
           </a:p>
         </p:txBody>
       </p:sp>
@@ -4257,12 +4854,42 @@
             <p:ph idx="1"/>
           </p:nvPr>
         </p:nvSpPr>
-        <p:spPr/>
-        <p:txBody>
-          <a:bodyPr/>
-          <a:lstStyle/>
-          <a:p>
-            <a:endParaRPr lang="it-IT"/>
+        <p:spPr>
+          <a:xfrm>
+            <a:off x="838201" y="1825625"/>
+            <a:ext cx="4708020" cy="4351338"/>
+          </a:xfrm>
+        </p:spPr>
+        <p:txBody>
+          <a:bodyPr>
+            <a:normAutofit/>
+          </a:bodyPr>
+          <a:lstStyle/>
+          <a:p>
+            <a:r>
+              <a:rPr lang="it-IT" sz="2400" dirty="0"/>
+              <a:t>Dataset pubblico fornito da Google: </a:t>
+            </a:r>
+          </a:p>
+          <a:p>
+            <a:pPr marL="971550" lvl="1" indent="-514350">
+              <a:buFont typeface="+mj-lt"/>
+              <a:buAutoNum type="arabicPeriod"/>
+            </a:pPr>
+            <a:r>
+              <a:rPr lang="it-IT" dirty="0"/>
+              <a:t>10 mila immagini contenenti una o più persone;</a:t>
+            </a:r>
+          </a:p>
+          <a:p>
+            <a:pPr marL="971550" lvl="1" indent="-514350">
+              <a:buFont typeface="+mj-lt"/>
+              <a:buAutoNum type="arabicPeriod"/>
+            </a:pPr>
+            <a:r>
+              <a:rPr lang="it-IT" dirty="0"/>
+              <a:t>File Excel contenenti posizioni geografiche degli occhi per ogni immagine.</a:t>
+            </a:r>
           </a:p>
         </p:txBody>
       </p:sp>
@@ -4351,6 +4978,213 @@
           </a:p>
         </p:txBody>
       </p:sp>
+      <p:sp>
+        <p:nvSpPr>
+          <p:cNvPr id="7" name="TextBox 6">
+            <a:extLst>
+              <a:ext uri="{FF2B5EF4-FFF2-40B4-BE49-F238E27FC236}">
+                <a16:creationId xmlns:a16="http://schemas.microsoft.com/office/drawing/2014/main" id="{CE75FEBE-0A46-455F-8902-C3B2EFFBAD96}"/>
+              </a:ext>
+            </a:extLst>
+          </p:cNvPr>
+          <p:cNvSpPr txBox="1"/>
+          <p:nvPr/>
+        </p:nvSpPr>
+        <p:spPr>
+          <a:xfrm>
+            <a:off x="6096000" y="1825625"/>
+            <a:ext cx="5688650" cy="2800767"/>
+          </a:xfrm>
+          <a:prstGeom prst="rect">
+            <a:avLst/>
+          </a:prstGeom>
+          <a:noFill/>
+        </p:spPr>
+        <p:txBody>
+          <a:bodyPr wrap="square" rtlCol="0">
+            <a:spAutoFit/>
+          </a:bodyPr>
+          <a:lstStyle/>
+          <a:p>
+            <a:pPr marL="457200" indent="-457200">
+              <a:buFont typeface="Arial" panose="020B0604020202020204" pitchFamily="34" charset="0"/>
+              <a:buChar char="•"/>
+            </a:pPr>
+            <a:r>
+              <a:rPr lang="it-IT" sz="2400" dirty="0"/>
+              <a:t>Per ogni immagine è stato creato un file .xml contenente le informazioni utili alla conversione in </a:t>
+            </a:r>
+            <a:r>
+              <a:rPr lang="it-IT" sz="2400" b="1" i="0" dirty="0" err="1">
+                <a:effectLst/>
+              </a:rPr>
+              <a:t>TFRecord</a:t>
+            </a:r>
+            <a:r>
+              <a:rPr lang="it-IT" sz="2400" b="1" i="0" dirty="0">
+                <a:effectLst/>
+              </a:rPr>
+              <a:t>: </a:t>
+            </a:r>
+          </a:p>
+          <a:p>
+            <a:pPr marL="914400" lvl="1" indent="-457200">
+              <a:buFont typeface="+mj-lt"/>
+              <a:buAutoNum type="arabicPeriod"/>
+            </a:pPr>
+            <a:r>
+              <a:rPr lang="it-IT" sz="2400" i="0" dirty="0">
+                <a:effectLst/>
+              </a:rPr>
+              <a:t>Nome immagine; </a:t>
+            </a:r>
+          </a:p>
+          <a:p>
+            <a:pPr marL="914400" lvl="1" indent="-457200">
+              <a:buFont typeface="+mj-lt"/>
+              <a:buAutoNum type="arabicPeriod"/>
+            </a:pPr>
+            <a:r>
+              <a:rPr lang="it-IT" sz="2400" i="0" dirty="0">
+                <a:effectLst/>
+              </a:rPr>
+              <a:t>Posizione x e y degli occhi.</a:t>
+            </a:r>
+          </a:p>
+          <a:p>
+            <a:pPr marL="514350" indent="-514350">
+              <a:buFont typeface="+mj-lt"/>
+              <a:buAutoNum type="arabicPeriod"/>
+            </a:pPr>
+            <a:endParaRPr lang="it-IT" sz="2800" b="1" i="0" dirty="0">
+              <a:effectLst/>
+              <a:latin typeface="-apple-system"/>
+            </a:endParaRPr>
+          </a:p>
+          <a:p>
+            <a:r>
+              <a:rPr lang="it-IT" sz="2800" dirty="0"/>
+              <a:t> </a:t>
+            </a:r>
+          </a:p>
+        </p:txBody>
+      </p:sp>
+      <p:pic>
+        <p:nvPicPr>
+          <p:cNvPr id="13" name="Picture 12">
+            <a:extLst>
+              <a:ext uri="{FF2B5EF4-FFF2-40B4-BE49-F238E27FC236}">
+                <a16:creationId xmlns:a16="http://schemas.microsoft.com/office/drawing/2014/main" id="{74E5EB5F-BF1E-4B4F-894A-4E5E48337882}"/>
+              </a:ext>
+            </a:extLst>
+          </p:cNvPr>
+          <p:cNvPicPr>
+            <a:picLocks noChangeAspect="1"/>
+          </p:cNvPicPr>
+          <p:nvPr/>
+        </p:nvPicPr>
+        <p:blipFill>
+          <a:blip r:embed="rId2"/>
+          <a:stretch>
+            <a:fillRect/>
+          </a:stretch>
+        </p:blipFill>
+        <p:spPr>
+          <a:xfrm>
+            <a:off x="8610600" y="4883236"/>
+            <a:ext cx="2046676" cy="985437"/>
+          </a:xfrm>
+          <a:prstGeom prst="rect">
+            <a:avLst/>
+          </a:prstGeom>
+        </p:spPr>
+      </p:pic>
+      <p:sp>
+        <p:nvSpPr>
+          <p:cNvPr id="14" name="TextBox 13">
+            <a:extLst>
+              <a:ext uri="{FF2B5EF4-FFF2-40B4-BE49-F238E27FC236}">
+                <a16:creationId xmlns:a16="http://schemas.microsoft.com/office/drawing/2014/main" id="{F1D059E1-55BB-4EAA-A3A6-4241126A50A3}"/>
+              </a:ext>
+            </a:extLst>
+          </p:cNvPr>
+          <p:cNvSpPr txBox="1"/>
+          <p:nvPr/>
+        </p:nvSpPr>
+        <p:spPr>
+          <a:xfrm>
+            <a:off x="6096000" y="3882383"/>
+            <a:ext cx="4375446" cy="461665"/>
+          </a:xfrm>
+          <a:prstGeom prst="rect">
+            <a:avLst/>
+          </a:prstGeom>
+          <a:noFill/>
+        </p:spPr>
+        <p:txBody>
+          <a:bodyPr wrap="square" rtlCol="0">
+            <a:spAutoFit/>
+          </a:bodyPr>
+          <a:lstStyle/>
+          <a:p>
+            <a:pPr marL="285750" indent="-285750">
+              <a:buFont typeface="Arial" panose="020B0604020202020204" pitchFamily="34" charset="0"/>
+              <a:buChar char="•"/>
+            </a:pPr>
+            <a:r>
+              <a:rPr lang="it-IT" sz="2400" dirty="0"/>
+              <a:t>Creato file </a:t>
+            </a:r>
+            <a:r>
+              <a:rPr lang="it-IT" sz="2400" dirty="0" err="1"/>
+              <a:t>label_map.pbtxt</a:t>
+            </a:r>
+            <a:r>
+              <a:rPr lang="it-IT" sz="2400" dirty="0"/>
+              <a:t>.</a:t>
+            </a:r>
+          </a:p>
+        </p:txBody>
+      </p:sp>
+      <p:cxnSp>
+        <p:nvCxnSpPr>
+          <p:cNvPr id="18" name="Straight Arrow Connector 17">
+            <a:extLst>
+              <a:ext uri="{FF2B5EF4-FFF2-40B4-BE49-F238E27FC236}">
+                <a16:creationId xmlns:a16="http://schemas.microsoft.com/office/drawing/2014/main" id="{162C3399-CA6D-4A07-8B88-F5E68210019E}"/>
+              </a:ext>
+            </a:extLst>
+          </p:cNvPr>
+          <p:cNvCxnSpPr/>
+          <p:nvPr/>
+        </p:nvCxnSpPr>
+        <p:spPr>
+          <a:xfrm>
+            <a:off x="9628220" y="4344048"/>
+            <a:ext cx="0" cy="513176"/>
+          </a:xfrm>
+          <a:prstGeom prst="straightConnector1">
+            <a:avLst/>
+          </a:prstGeom>
+          <a:ln>
+            <a:tailEnd type="triangle"/>
+          </a:ln>
+        </p:spPr>
+        <p:style>
+          <a:lnRef idx="1">
+            <a:schemeClr val="accent1"/>
+          </a:lnRef>
+          <a:fillRef idx="0">
+            <a:schemeClr val="accent1"/>
+          </a:fillRef>
+          <a:effectRef idx="0">
+            <a:schemeClr val="accent1"/>
+          </a:effectRef>
+          <a:fontRef idx="minor">
+            <a:schemeClr val="tx1"/>
+          </a:fontRef>
+        </p:style>
+      </p:cxnSp>
     </p:spTree>
     <p:extLst>
       <p:ext uri="{BB962C8B-B14F-4D97-AF65-F5344CB8AC3E}">
@@ -4402,7 +5236,10 @@
           <a:bodyPr/>
           <a:lstStyle/>
           <a:p>
-            <a:endParaRPr lang="it-IT"/>
+            <a:r>
+              <a:rPr lang="it-IT" dirty="0"/>
+              <a:t>Training</a:t>
+            </a:r>
           </a:p>
         </p:txBody>
       </p:sp>
@@ -4424,10 +5261,75 @@
         </p:nvSpPr>
         <p:spPr/>
         <p:txBody>
-          <a:bodyPr/>
-          <a:lstStyle/>
-          <a:p>
-            <a:endParaRPr lang="it-IT"/>
+          <a:bodyPr>
+            <a:normAutofit/>
+          </a:bodyPr>
+          <a:lstStyle/>
+          <a:p>
+            <a:r>
+              <a:rPr lang="it-IT" sz="2400" dirty="0"/>
+              <a:t>Utilizzo di Modello </a:t>
+            </a:r>
+            <a:r>
+              <a:rPr lang="it-IT" sz="2400" b="0" i="0" strike="noStrike" dirty="0">
+                <a:effectLst/>
+              </a:rPr>
+              <a:t>SSD </a:t>
+            </a:r>
+            <a:r>
+              <a:rPr lang="it-IT" sz="2400" b="0" i="0" strike="noStrike" dirty="0" err="1">
+                <a:effectLst/>
+              </a:rPr>
+              <a:t>MobileNet</a:t>
+            </a:r>
+            <a:r>
+              <a:rPr lang="it-IT" sz="2400" b="0" i="0" strike="noStrike" dirty="0">
+                <a:effectLst/>
+              </a:rPr>
+              <a:t> V2 </a:t>
+            </a:r>
+            <a:r>
+              <a:rPr lang="it-IT" sz="2400" b="0" i="0" strike="noStrike" dirty="0" err="1">
+                <a:effectLst/>
+              </a:rPr>
+              <a:t>FPNLite</a:t>
+            </a:r>
+            <a:r>
+              <a:rPr lang="it-IT" sz="2400" b="0" i="0" strike="noStrike" dirty="0">
+                <a:effectLst/>
+              </a:rPr>
+              <a:t> 640x640: </a:t>
+            </a:r>
+            <a:r>
+              <a:rPr lang="it-IT" sz="2400" b="0" i="0" dirty="0">
+                <a:effectLst/>
+              </a:rPr>
+              <a:t>leggera e veloce da essere eseguita su smartphone senza consumo di</a:t>
+            </a:r>
+            <a:br>
+              <a:rPr lang="it-IT" sz="2400" dirty="0"/>
+            </a:br>
+            <a:r>
+              <a:rPr lang="it-IT" sz="2400" b="0" i="0" dirty="0">
+                <a:effectLst/>
+              </a:rPr>
+              <a:t>risorse eccessivo mantenendo comunque una precisione adeguata.</a:t>
+            </a:r>
+          </a:p>
+          <a:p>
+            <a:r>
+              <a:rPr lang="it-IT" sz="2400" dirty="0"/>
+              <a:t>Configurato adeguatamente file </a:t>
+            </a:r>
+            <a:r>
+              <a:rPr lang="it-IT" sz="2400" i="1" dirty="0" err="1"/>
+              <a:t>pipeline.config</a:t>
+            </a:r>
+            <a:r>
+              <a:rPr lang="it-IT" sz="2400" i="1" dirty="0"/>
+              <a:t>.</a:t>
+            </a:r>
+            <a:endParaRPr lang="it-IT" sz="2400" dirty="0"/>
           </a:p>
         </p:txBody>
       </p:sp>
@@ -4516,6 +5418,148 @@
           </a:p>
         </p:txBody>
       </p:sp>
+      <p:pic>
+        <p:nvPicPr>
+          <p:cNvPr id="8" name="Picture 7">
+            <a:extLst>
+              <a:ext uri="{FF2B5EF4-FFF2-40B4-BE49-F238E27FC236}">
+                <a16:creationId xmlns:a16="http://schemas.microsoft.com/office/drawing/2014/main" id="{F5891315-DFD3-45A5-BE81-D4308CFD6C0F}"/>
+              </a:ext>
+            </a:extLst>
+          </p:cNvPr>
+          <p:cNvPicPr>
+            <a:picLocks noChangeAspect="1"/>
+          </p:cNvPicPr>
+          <p:nvPr/>
+        </p:nvPicPr>
+        <p:blipFill>
+          <a:blip r:embed="rId2"/>
+          <a:stretch>
+            <a:fillRect/>
+          </a:stretch>
+        </p:blipFill>
+        <p:spPr>
+          <a:xfrm>
+            <a:off x="838200" y="3701496"/>
+            <a:ext cx="3019846" cy="1762371"/>
+          </a:xfrm>
+          <a:prstGeom prst="rect">
+            <a:avLst/>
+          </a:prstGeom>
+        </p:spPr>
+      </p:pic>
+      <p:pic>
+        <p:nvPicPr>
+          <p:cNvPr id="10" name="Picture 9">
+            <a:extLst>
+              <a:ext uri="{FF2B5EF4-FFF2-40B4-BE49-F238E27FC236}">
+                <a16:creationId xmlns:a16="http://schemas.microsoft.com/office/drawing/2014/main" id="{8146019E-CCE1-4954-A2D4-E5F7CCB81C35}"/>
+              </a:ext>
+            </a:extLst>
+          </p:cNvPr>
+          <p:cNvPicPr>
+            <a:picLocks noChangeAspect="1"/>
+          </p:cNvPicPr>
+          <p:nvPr/>
+        </p:nvPicPr>
+        <p:blipFill>
+          <a:blip r:embed="rId3"/>
+          <a:stretch>
+            <a:fillRect/>
+          </a:stretch>
+        </p:blipFill>
+        <p:spPr>
+          <a:xfrm>
+            <a:off x="6500491" y="3558310"/>
+            <a:ext cx="4742976" cy="2352964"/>
+          </a:xfrm>
+          <a:prstGeom prst="rect">
+            <a:avLst/>
+          </a:prstGeom>
+        </p:spPr>
+      </p:pic>
+      <p:cxnSp>
+        <p:nvCxnSpPr>
+          <p:cNvPr id="14" name="Connector: Elbow 13">
+            <a:extLst>
+              <a:ext uri="{FF2B5EF4-FFF2-40B4-BE49-F238E27FC236}">
+                <a16:creationId xmlns:a16="http://schemas.microsoft.com/office/drawing/2014/main" id="{FF9A7172-761D-4AD3-8C0C-BEB68EAD8B23}"/>
+              </a:ext>
+            </a:extLst>
+          </p:cNvPr>
+          <p:cNvCxnSpPr>
+            <a:cxnSpLocks/>
+          </p:cNvCxnSpPr>
+          <p:nvPr/>
+        </p:nvCxnSpPr>
+        <p:spPr>
+          <a:xfrm>
+            <a:off x="5549817" y="3423373"/>
+            <a:ext cx="950674" cy="746975"/>
+          </a:xfrm>
+          <a:prstGeom prst="bentConnector3">
+            <a:avLst/>
+          </a:prstGeom>
+          <a:ln>
+            <a:tailEnd type="triangle"/>
+          </a:ln>
+        </p:spPr>
+        <p:style>
+          <a:lnRef idx="1">
+            <a:schemeClr val="accent1"/>
+          </a:lnRef>
+          <a:fillRef idx="0">
+            <a:schemeClr val="accent1"/>
+          </a:fillRef>
+          <a:effectRef idx="0">
+            <a:schemeClr val="accent1"/>
+          </a:effectRef>
+          <a:fontRef idx="minor">
+            <a:schemeClr val="tx1"/>
+          </a:fontRef>
+        </p:style>
+      </p:cxnSp>
+      <p:cxnSp>
+        <p:nvCxnSpPr>
+          <p:cNvPr id="16" name="Connector: Elbow 15">
+            <a:extLst>
+              <a:ext uri="{FF2B5EF4-FFF2-40B4-BE49-F238E27FC236}">
+                <a16:creationId xmlns:a16="http://schemas.microsoft.com/office/drawing/2014/main" id="{A1D73D39-3928-4F83-AEE5-B0D18BFB144C}"/>
+              </a:ext>
+            </a:extLst>
+          </p:cNvPr>
+          <p:cNvCxnSpPr>
+            <a:cxnSpLocks/>
+          </p:cNvCxnSpPr>
+          <p:nvPr/>
+        </p:nvCxnSpPr>
+        <p:spPr>
+          <a:xfrm rot="10800000" flipV="1">
+            <a:off x="4110972" y="3436974"/>
+            <a:ext cx="1185919" cy="746975"/>
+          </a:xfrm>
+          <a:prstGeom prst="bentConnector3">
+            <a:avLst/>
+          </a:prstGeom>
+          <a:ln>
+            <a:tailEnd type="triangle"/>
+          </a:ln>
+        </p:spPr>
+        <p:style>
+          <a:lnRef idx="1">
+            <a:schemeClr val="accent1"/>
+          </a:lnRef>
+          <a:fillRef idx="0">
+            <a:schemeClr val="accent1"/>
+          </a:fillRef>
+          <a:effectRef idx="0">
+            <a:schemeClr val="accent1"/>
+          </a:effectRef>
+          <a:fontRef idx="minor">
+            <a:schemeClr val="tx1"/>
+          </a:fontRef>
+        </p:style>
+      </p:cxnSp>
     </p:spTree>
     <p:extLst>
       <p:ext uri="{BB962C8B-B14F-4D97-AF65-F5344CB8AC3E}">
@@ -4551,7 +5595,7 @@
           <p:cNvPr id="2" name="Titolo 1">
             <a:extLst>
               <a:ext uri="{FF2B5EF4-FFF2-40B4-BE49-F238E27FC236}">
-                <a16:creationId xmlns:a16="http://schemas.microsoft.com/office/drawing/2014/main" id="{8814A3F6-CEE1-4245-822F-6853B87745F2}"/>
+                <a16:creationId xmlns:a16="http://schemas.microsoft.com/office/drawing/2014/main" id="{7EEAC98C-C765-4B32-993D-46598CB2B5CD}"/>
               </a:ext>
             </a:extLst>
           </p:cNvPr>
@@ -4567,7 +5611,10 @@
           <a:bodyPr/>
           <a:lstStyle/>
           <a:p>
-            <a:endParaRPr lang="it-IT"/>
+            <a:r>
+              <a:rPr lang="it-IT" dirty="0"/>
+              <a:t>Testing	</a:t>
+            </a:r>
           </a:p>
         </p:txBody>
       </p:sp>
@@ -4576,7 +5623,7 @@
           <p:cNvPr id="3" name="Segnaposto contenuto 2">
             <a:extLst>
               <a:ext uri="{FF2B5EF4-FFF2-40B4-BE49-F238E27FC236}">
-                <a16:creationId xmlns:a16="http://schemas.microsoft.com/office/drawing/2014/main" id="{EB7C0B84-2878-4986-A4AC-62A743F8EE99}"/>
+                <a16:creationId xmlns:a16="http://schemas.microsoft.com/office/drawing/2014/main" id="{D4CC7FA5-6D9E-4FE6-8D5D-6839AE8E38DE}"/>
               </a:ext>
             </a:extLst>
           </p:cNvPr>
@@ -4587,12 +5634,38 @@
             <p:ph idx="1"/>
           </p:nvPr>
         </p:nvSpPr>
-        <p:spPr/>
-        <p:txBody>
-          <a:bodyPr/>
-          <a:lstStyle/>
-          <a:p>
-            <a:endParaRPr lang="it-IT"/>
+        <p:spPr>
+          <a:xfrm>
+            <a:off x="838200" y="1825625"/>
+            <a:ext cx="10515600" cy="982230"/>
+          </a:xfrm>
+        </p:spPr>
+        <p:txBody>
+          <a:bodyPr>
+            <a:normAutofit/>
+          </a:bodyPr>
+          <a:lstStyle/>
+          <a:p>
+            <a:r>
+              <a:rPr lang="it-IT" sz="2400" dirty="0"/>
+              <a:t>GUI da shell usando </a:t>
+            </a:r>
+            <a:r>
+              <a:rPr lang="it-IT" sz="2400" dirty="0" err="1"/>
+              <a:t>TkAgg</a:t>
+            </a:r>
+            <a:r>
+              <a:rPr lang="it-IT" sz="2400" dirty="0"/>
+              <a:t> della libreria </a:t>
+            </a:r>
+            <a:r>
+              <a:rPr lang="it-IT" sz="2400" dirty="0" err="1"/>
+              <a:t>Matplotlib</a:t>
+            </a:r>
+            <a:r>
+              <a:rPr lang="it-IT" sz="2400" dirty="0"/>
+              <a:t>.</a:t>
+            </a:r>
           </a:p>
         </p:txBody>
       </p:sp>
@@ -4601,7 +5674,7 @@
           <p:cNvPr id="4" name="Segnaposto data 3">
             <a:extLst>
               <a:ext uri="{FF2B5EF4-FFF2-40B4-BE49-F238E27FC236}">
-                <a16:creationId xmlns:a16="http://schemas.microsoft.com/office/drawing/2014/main" id="{7DE7B5DD-9B91-42C4-9A61-1D4F12210D9C}"/>
+                <a16:creationId xmlns:a16="http://schemas.microsoft.com/office/drawing/2014/main" id="{8DF789F6-4461-4D7D-9999-1E89DBCCB5AA}"/>
               </a:ext>
             </a:extLst>
           </p:cNvPr>
@@ -4629,7 +5702,7 @@
           <p:cNvPr id="5" name="Segnaposto piè di pagina 4">
             <a:extLst>
               <a:ext uri="{FF2B5EF4-FFF2-40B4-BE49-F238E27FC236}">
-                <a16:creationId xmlns:a16="http://schemas.microsoft.com/office/drawing/2014/main" id="{4C1D62C7-8789-4BD3-99B4-B14A311B663D}"/>
+                <a16:creationId xmlns:a16="http://schemas.microsoft.com/office/drawing/2014/main" id="{62293F6B-71E1-40D3-8ED4-6D5B3B13DC44}"/>
               </a:ext>
             </a:extLst>
           </p:cNvPr>
@@ -4657,7 +5730,7 @@
           <p:cNvPr id="6" name="Segnaposto numero diapositiva 5">
             <a:extLst>
               <a:ext uri="{FF2B5EF4-FFF2-40B4-BE49-F238E27FC236}">
-                <a16:creationId xmlns:a16="http://schemas.microsoft.com/office/drawing/2014/main" id="{6D5E1EA7-0934-4EE2-9741-AA12A1FED9FD}"/>
+                <a16:creationId xmlns:a16="http://schemas.microsoft.com/office/drawing/2014/main" id="{89A9EE76-0E8B-4C0A-B3BA-ABF73DF72C93}"/>
               </a:ext>
             </a:extLst>
           </p:cNvPr>
@@ -4681,10 +5754,80 @@
           </a:p>
         </p:txBody>
       </p:sp>
+      <p:sp>
+        <p:nvSpPr>
+          <p:cNvPr id="7" name="TextBox 6">
+            <a:extLst>
+              <a:ext uri="{FF2B5EF4-FFF2-40B4-BE49-F238E27FC236}">
+                <a16:creationId xmlns:a16="http://schemas.microsoft.com/office/drawing/2014/main" id="{13B9EFF3-FC70-44EE-B443-18FF4472B7FA}"/>
+              </a:ext>
+            </a:extLst>
+          </p:cNvPr>
+          <p:cNvSpPr txBox="1"/>
+          <p:nvPr/>
+        </p:nvSpPr>
+        <p:spPr>
+          <a:xfrm>
+            <a:off x="2022764" y="5430982"/>
+            <a:ext cx="2512291" cy="369332"/>
+          </a:xfrm>
+          <a:prstGeom prst="rect">
+            <a:avLst/>
+          </a:prstGeom>
+          <a:noFill/>
+        </p:spPr>
+        <p:txBody>
+          <a:bodyPr wrap="square" rtlCol="0">
+            <a:spAutoFit/>
+          </a:bodyPr>
+          <a:lstStyle/>
+          <a:p>
+            <a:r>
+              <a:rPr lang="it-IT" dirty="0"/>
+              <a:t>Test con persona famosa</a:t>
+            </a:r>
+          </a:p>
+        </p:txBody>
+      </p:sp>
+      <p:sp>
+        <p:nvSpPr>
+          <p:cNvPr id="8" name="TextBox 7">
+            <a:extLst>
+              <a:ext uri="{FF2B5EF4-FFF2-40B4-BE49-F238E27FC236}">
+                <a16:creationId xmlns:a16="http://schemas.microsoft.com/office/drawing/2014/main" id="{9747E412-F5E0-489D-AF7A-793F58FE3B91}"/>
+              </a:ext>
+            </a:extLst>
+          </p:cNvPr>
+          <p:cNvSpPr txBox="1"/>
+          <p:nvPr/>
+        </p:nvSpPr>
+        <p:spPr>
+          <a:xfrm>
+            <a:off x="7564582" y="5430982"/>
+            <a:ext cx="2309091" cy="369332"/>
+          </a:xfrm>
+          <a:prstGeom prst="rect">
+            <a:avLst/>
+          </a:prstGeom>
+          <a:noFill/>
+        </p:spPr>
+        <p:txBody>
+          <a:bodyPr wrap="square" rtlCol="0">
+            <a:spAutoFit/>
+          </a:bodyPr>
+          <a:lstStyle/>
+          <a:p>
+            <a:r>
+              <a:rPr lang="it-IT" dirty="0"/>
+              <a:t>Test con più persone</a:t>
+            </a:r>
+          </a:p>
+        </p:txBody>
+      </p:sp>
     </p:spTree>
     <p:extLst>
       <p:ext uri="{BB962C8B-B14F-4D97-AF65-F5344CB8AC3E}">
-        <p14:creationId xmlns:p14="http://schemas.microsoft.com/office/powerpoint/2010/main" val="3960330323"/>
+        <p14:creationId xmlns:p14="http://schemas.microsoft.com/office/powerpoint/2010/main" val="2555073730"/>
       </p:ext>
     </p:extLst>
   </p:cSld>
@@ -4716,7 +5859,7 @@
           <p:cNvPr id="2" name="Titolo 1">
             <a:extLst>
               <a:ext uri="{FF2B5EF4-FFF2-40B4-BE49-F238E27FC236}">
-                <a16:creationId xmlns:a16="http://schemas.microsoft.com/office/drawing/2014/main" id="{7EEAC98C-C765-4B32-993D-46598CB2B5CD}"/>
+                <a16:creationId xmlns:a16="http://schemas.microsoft.com/office/drawing/2014/main" id="{48F99E00-F179-4EC8-ADDF-0C3F64D4073E}"/>
               </a:ext>
             </a:extLst>
           </p:cNvPr>
@@ -4732,7 +5875,14 @@
           <a:bodyPr/>
           <a:lstStyle/>
           <a:p>
-            <a:endParaRPr lang="it-IT"/>
+            <a:r>
+              <a:rPr lang="it-IT" dirty="0" err="1"/>
+              <a:t>Tensorflow</a:t>
+            </a:r>
+            <a:r>
+              <a:rPr lang="it-IT" dirty="0"/>
+              <a:t> Lite</a:t>
+            </a:r>
           </a:p>
         </p:txBody>
       </p:sp>
@@ -4741,7 +5891,7 @@
           <p:cNvPr id="3" name="Segnaposto contenuto 2">
             <a:extLst>
               <a:ext uri="{FF2B5EF4-FFF2-40B4-BE49-F238E27FC236}">
-                <a16:creationId xmlns:a16="http://schemas.microsoft.com/office/drawing/2014/main" id="{D4CC7FA5-6D9E-4FE6-8D5D-6839AE8E38DE}"/>
+                <a16:creationId xmlns:a16="http://schemas.microsoft.com/office/drawing/2014/main" id="{2E5B5029-9CC3-4D87-BF1C-A03BFAF7A14A}"/>
               </a:ext>
             </a:extLst>
           </p:cNvPr>
@@ -4752,12 +5902,25 @@
             <p:ph idx="1"/>
           </p:nvPr>
         </p:nvSpPr>
-        <p:spPr/>
-        <p:txBody>
-          <a:bodyPr/>
-          <a:lstStyle/>
-          <a:p>
-            <a:endParaRPr lang="it-IT"/>
+        <p:spPr>
+          <a:xfrm>
+            <a:off x="838200" y="1825625"/>
+            <a:ext cx="10515600" cy="1763609"/>
+          </a:xfrm>
+        </p:spPr>
+        <p:txBody>
+          <a:bodyPr>
+            <a:normAutofit/>
+          </a:bodyPr>
+          <a:lstStyle/>
+          <a:p>
+            <a:r>
+              <a:rPr lang="it-IT" sz="2400" b="0" i="0" dirty="0">
+                <a:effectLst/>
+              </a:rPr>
+              <a:t>Dopo esserci accertati che la rete funzionasse correttamente e avesse dei livelli di precisione sopra una certa soglia, si è ottenuto in output un modello addestrato e pronto all’uso, che poi è stato convertito e quantizzato in un formato adatto ai sistemi embedded.</a:t>
+            </a:r>
+            <a:endParaRPr lang="it-IT" sz="2400" dirty="0"/>
           </a:p>
         </p:txBody>
       </p:sp>
@@ -4766,7 +5929,7 @@
           <p:cNvPr id="4" name="Segnaposto data 3">
             <a:extLst>
               <a:ext uri="{FF2B5EF4-FFF2-40B4-BE49-F238E27FC236}">
-                <a16:creationId xmlns:a16="http://schemas.microsoft.com/office/drawing/2014/main" id="{8DF789F6-4461-4D7D-9999-1E89DBCCB5AA}"/>
+                <a16:creationId xmlns:a16="http://schemas.microsoft.com/office/drawing/2014/main" id="{E68B9638-5B65-4015-9657-F3BD193154E2}"/>
               </a:ext>
             </a:extLst>
           </p:cNvPr>
@@ -4794,7 +5957,7 @@
           <p:cNvPr id="5" name="Segnaposto piè di pagina 4">
             <a:extLst>
               <a:ext uri="{FF2B5EF4-FFF2-40B4-BE49-F238E27FC236}">
-                <a16:creationId xmlns:a16="http://schemas.microsoft.com/office/drawing/2014/main" id="{62293F6B-71E1-40D3-8ED4-6D5B3B13DC44}"/>
+                <a16:creationId xmlns:a16="http://schemas.microsoft.com/office/drawing/2014/main" id="{D8C05599-5931-4AA5-B1EF-665A5EF52458}"/>
               </a:ext>
             </a:extLst>
           </p:cNvPr>
@@ -4822,7 +5985,7 @@
           <p:cNvPr id="6" name="Segnaposto numero diapositiva 5">
             <a:extLst>
               <a:ext uri="{FF2B5EF4-FFF2-40B4-BE49-F238E27FC236}">
-                <a16:creationId xmlns:a16="http://schemas.microsoft.com/office/drawing/2014/main" id="{89A9EE76-0E8B-4C0A-B3BA-ABF73DF72C93}"/>
+                <a16:creationId xmlns:a16="http://schemas.microsoft.com/office/drawing/2014/main" id="{2761C45D-02C5-4F2F-8035-BB409AF2D773}"/>
               </a:ext>
             </a:extLst>
           </p:cNvPr>
@@ -4846,10 +6009,122 @@
           </a:p>
         </p:txBody>
       </p:sp>
+      <p:pic>
+        <p:nvPicPr>
+          <p:cNvPr id="8" name="Picture 7">
+            <a:extLst>
+              <a:ext uri="{FF2B5EF4-FFF2-40B4-BE49-F238E27FC236}">
+                <a16:creationId xmlns:a16="http://schemas.microsoft.com/office/drawing/2014/main" id="{F369C427-3246-42CE-BC3D-9A88B3EC11D4}"/>
+              </a:ext>
+            </a:extLst>
+          </p:cNvPr>
+          <p:cNvPicPr>
+            <a:picLocks noChangeAspect="1"/>
+          </p:cNvPicPr>
+          <p:nvPr/>
+        </p:nvPicPr>
+        <p:blipFill>
+          <a:blip r:embed="rId2"/>
+          <a:stretch>
+            <a:fillRect/>
+          </a:stretch>
+        </p:blipFill>
+        <p:spPr>
+          <a:xfrm>
+            <a:off x="3690602" y="3410661"/>
+            <a:ext cx="4810796" cy="1181265"/>
+          </a:xfrm>
+          <a:prstGeom prst="rect">
+            <a:avLst/>
+          </a:prstGeom>
+        </p:spPr>
+      </p:pic>
+      <p:cxnSp>
+        <p:nvCxnSpPr>
+          <p:cNvPr id="12" name="Straight Arrow Connector 11">
+            <a:extLst>
+              <a:ext uri="{FF2B5EF4-FFF2-40B4-BE49-F238E27FC236}">
+                <a16:creationId xmlns:a16="http://schemas.microsoft.com/office/drawing/2014/main" id="{872DABB8-3F11-4F93-94B6-1CF7A4F2E8C5}"/>
+              </a:ext>
+            </a:extLst>
+          </p:cNvPr>
+          <p:cNvCxnSpPr/>
+          <p:nvPr/>
+        </p:nvCxnSpPr>
+        <p:spPr>
+          <a:xfrm>
+            <a:off x="5853869" y="4666004"/>
+            <a:ext cx="0" cy="692209"/>
+          </a:xfrm>
+          <a:prstGeom prst="straightConnector1">
+            <a:avLst/>
+          </a:prstGeom>
+          <a:ln>
+            <a:tailEnd type="triangle"/>
+          </a:ln>
+        </p:spPr>
+        <p:style>
+          <a:lnRef idx="1">
+            <a:schemeClr val="accent1"/>
+          </a:lnRef>
+          <a:fillRef idx="0">
+            <a:schemeClr val="accent1"/>
+          </a:fillRef>
+          <a:effectRef idx="0">
+            <a:schemeClr val="accent1"/>
+          </a:effectRef>
+          <a:fontRef idx="minor">
+            <a:schemeClr val="tx1"/>
+          </a:fontRef>
+        </p:style>
+      </p:cxnSp>
+      <p:sp>
+        <p:nvSpPr>
+          <p:cNvPr id="13" name="TextBox 12">
+            <a:extLst>
+              <a:ext uri="{FF2B5EF4-FFF2-40B4-BE49-F238E27FC236}">
+                <a16:creationId xmlns:a16="http://schemas.microsoft.com/office/drawing/2014/main" id="{50F9E77E-9E8B-42E2-9322-E84B3616ADAF}"/>
+              </a:ext>
+            </a:extLst>
+          </p:cNvPr>
+          <p:cNvSpPr txBox="1"/>
+          <p:nvPr/>
+        </p:nvSpPr>
+        <p:spPr>
+          <a:xfrm>
+            <a:off x="4038600" y="5426579"/>
+            <a:ext cx="3430424" cy="369332"/>
+          </a:xfrm>
+          <a:prstGeom prst="rect">
+            <a:avLst/>
+          </a:prstGeom>
+          <a:noFill/>
+        </p:spPr>
+        <p:txBody>
+          <a:bodyPr wrap="square" rtlCol="0">
+            <a:spAutoFit/>
+          </a:bodyPr>
+          <a:lstStyle/>
+          <a:p>
+            <a:r>
+              <a:rPr lang="it-IT" dirty="0"/>
+              <a:t>Otteniamo in output un file .</a:t>
+            </a:r>
+            <a:r>
+              <a:rPr lang="it-IT" dirty="0" err="1"/>
+              <a:t>tflite</a:t>
+            </a:r>
+            <a:r>
+              <a:rPr lang="it-IT" dirty="0"/>
+              <a:t> </a:t>
+            </a:r>
+          </a:p>
+        </p:txBody>
+      </p:sp>
     </p:spTree>
     <p:extLst>
       <p:ext uri="{BB962C8B-B14F-4D97-AF65-F5344CB8AC3E}">
-        <p14:creationId xmlns:p14="http://schemas.microsoft.com/office/powerpoint/2010/main" val="2555073730"/>
+        <p14:creationId xmlns:p14="http://schemas.microsoft.com/office/powerpoint/2010/main" val="559974040"/>
       </p:ext>
     </p:extLst>
   </p:cSld>
@@ -4881,7 +6156,7 @@
           <p:cNvPr id="2" name="Titolo 1">
             <a:extLst>
               <a:ext uri="{FF2B5EF4-FFF2-40B4-BE49-F238E27FC236}">
-                <a16:creationId xmlns:a16="http://schemas.microsoft.com/office/drawing/2014/main" id="{48F99E00-F179-4EC8-ADDF-0C3F64D4073E}"/>
+                <a16:creationId xmlns:a16="http://schemas.microsoft.com/office/drawing/2014/main" id="{387D8B2F-04F4-47F6-9844-99B286C0E52F}"/>
               </a:ext>
             </a:extLst>
           </p:cNvPr>
@@ -4897,7 +6172,14 @@
           <a:bodyPr/>
           <a:lstStyle/>
           <a:p>
-            <a:endParaRPr lang="it-IT"/>
+            <a:r>
+              <a:rPr lang="it-IT" dirty="0" err="1"/>
+              <a:t>Tensorflow</a:t>
+            </a:r>
+            <a:r>
+              <a:rPr lang="it-IT" dirty="0"/>
+              <a:t> Lite</a:t>
+            </a:r>
           </a:p>
         </p:txBody>
       </p:sp>
@@ -4906,7 +6188,7 @@
           <p:cNvPr id="3" name="Segnaposto contenuto 2">
             <a:extLst>
               <a:ext uri="{FF2B5EF4-FFF2-40B4-BE49-F238E27FC236}">
-                <a16:creationId xmlns:a16="http://schemas.microsoft.com/office/drawing/2014/main" id="{2E5B5029-9CC3-4D87-BF1C-A03BFAF7A14A}"/>
+                <a16:creationId xmlns:a16="http://schemas.microsoft.com/office/drawing/2014/main" id="{E51938E7-7C91-4562-A618-986BC8F166D0}"/>
               </a:ext>
             </a:extLst>
           </p:cNvPr>
@@ -4917,12 +6199,34 @@
             <p:ph idx="1"/>
           </p:nvPr>
         </p:nvSpPr>
-        <p:spPr/>
-        <p:txBody>
-          <a:bodyPr/>
-          <a:lstStyle/>
-          <a:p>
-            <a:endParaRPr lang="it-IT"/>
+        <p:spPr>
+          <a:xfrm>
+            <a:off x="838200" y="1825625"/>
+            <a:ext cx="8827093" cy="2028528"/>
+          </a:xfrm>
+        </p:spPr>
+        <p:txBody>
+          <a:bodyPr>
+            <a:normAutofit/>
+          </a:bodyPr>
+          <a:lstStyle/>
+          <a:p>
+            <a:r>
+              <a:rPr lang="it-IT" sz="2400" dirty="0" err="1"/>
+              <a:t>Tflite</a:t>
+            </a:r>
+            <a:r>
+              <a:rPr lang="it-IT" sz="2400" dirty="0"/>
+              <a:t> richiede un file metadata nel caso di tensori di input di tipo kTfLiteFloat32 per </a:t>
+            </a:r>
+            <a:r>
+              <a:rPr lang="it-IT" sz="2400" dirty="0" err="1"/>
+              <a:t>pre</a:t>
+            </a:r>
+            <a:r>
+              <a:rPr lang="it-IT" sz="2400" dirty="0"/>
+              <a:t>-processare le immagini:</a:t>
+            </a:r>
           </a:p>
         </p:txBody>
       </p:sp>
@@ -4931,7 +6235,7 @@
           <p:cNvPr id="4" name="Segnaposto data 3">
             <a:extLst>
               <a:ext uri="{FF2B5EF4-FFF2-40B4-BE49-F238E27FC236}">
-                <a16:creationId xmlns:a16="http://schemas.microsoft.com/office/drawing/2014/main" id="{E68B9638-5B65-4015-9657-F3BD193154E2}"/>
+                <a16:creationId xmlns:a16="http://schemas.microsoft.com/office/drawing/2014/main" id="{21286095-DBD8-41AF-9468-7B9635CF3641}"/>
               </a:ext>
             </a:extLst>
           </p:cNvPr>
@@ -4959,7 +6263,7 @@
           <p:cNvPr id="5" name="Segnaposto piè di pagina 4">
             <a:extLst>
               <a:ext uri="{FF2B5EF4-FFF2-40B4-BE49-F238E27FC236}">
-                <a16:creationId xmlns:a16="http://schemas.microsoft.com/office/drawing/2014/main" id="{D8C05599-5931-4AA5-B1EF-665A5EF52458}"/>
+                <a16:creationId xmlns:a16="http://schemas.microsoft.com/office/drawing/2014/main" id="{89C0A663-D05F-4CA1-B12E-C2E737D3DB54}"/>
               </a:ext>
             </a:extLst>
           </p:cNvPr>
@@ -4987,7 +6291,7 @@
           <p:cNvPr id="6" name="Segnaposto numero diapositiva 5">
             <a:extLst>
               <a:ext uri="{FF2B5EF4-FFF2-40B4-BE49-F238E27FC236}">
-                <a16:creationId xmlns:a16="http://schemas.microsoft.com/office/drawing/2014/main" id="{2761C45D-02C5-4F2F-8035-BB409AF2D773}"/>
+                <a16:creationId xmlns:a16="http://schemas.microsoft.com/office/drawing/2014/main" id="{6C0B328A-8B60-471D-8A4E-5C92468AB012}"/>
               </a:ext>
             </a:extLst>
           </p:cNvPr>
@@ -5011,10 +6315,167 @@
           </a:p>
         </p:txBody>
       </p:sp>
+      <p:pic>
+        <p:nvPicPr>
+          <p:cNvPr id="8" name="Picture 7">
+            <a:extLst>
+              <a:ext uri="{FF2B5EF4-FFF2-40B4-BE49-F238E27FC236}">
+                <a16:creationId xmlns:a16="http://schemas.microsoft.com/office/drawing/2014/main" id="{8F7FE91E-915B-4151-83CC-E2CDE15D1D5C}"/>
+              </a:ext>
+            </a:extLst>
+          </p:cNvPr>
+          <p:cNvPicPr>
+            <a:picLocks noChangeAspect="1"/>
+          </p:cNvPicPr>
+          <p:nvPr/>
+        </p:nvPicPr>
+        <p:blipFill>
+          <a:blip r:embed="rId2"/>
+          <a:stretch>
+            <a:fillRect/>
+          </a:stretch>
+        </p:blipFill>
+        <p:spPr>
+          <a:xfrm>
+            <a:off x="2712979" y="2917567"/>
+            <a:ext cx="5077534" cy="1419423"/>
+          </a:xfrm>
+          <a:prstGeom prst="rect">
+            <a:avLst/>
+          </a:prstGeom>
+        </p:spPr>
+      </p:pic>
+      <p:cxnSp>
+        <p:nvCxnSpPr>
+          <p:cNvPr id="10" name="Straight Arrow Connector 9">
+            <a:extLst>
+              <a:ext uri="{FF2B5EF4-FFF2-40B4-BE49-F238E27FC236}">
+                <a16:creationId xmlns:a16="http://schemas.microsoft.com/office/drawing/2014/main" id="{85A82CD4-5AF6-4727-9587-DCAB256A5352}"/>
+              </a:ext>
+            </a:extLst>
+          </p:cNvPr>
+          <p:cNvCxnSpPr/>
+          <p:nvPr/>
+        </p:nvCxnSpPr>
+        <p:spPr>
+          <a:xfrm>
+            <a:off x="5251746" y="4469450"/>
+            <a:ext cx="0" cy="692209"/>
+          </a:xfrm>
+          <a:prstGeom prst="straightConnector1">
+            <a:avLst/>
+          </a:prstGeom>
+          <a:ln>
+            <a:tailEnd type="triangle"/>
+          </a:ln>
+        </p:spPr>
+        <p:style>
+          <a:lnRef idx="1">
+            <a:schemeClr val="accent1"/>
+          </a:lnRef>
+          <a:fillRef idx="0">
+            <a:schemeClr val="accent1"/>
+          </a:fillRef>
+          <a:effectRef idx="0">
+            <a:schemeClr val="accent1"/>
+          </a:effectRef>
+          <a:fontRef idx="minor">
+            <a:schemeClr val="tx1"/>
+          </a:fontRef>
+        </p:style>
+      </p:cxnSp>
+      <p:sp>
+        <p:nvSpPr>
+          <p:cNvPr id="11" name="TextBox 10">
+            <a:extLst>
+              <a:ext uri="{FF2B5EF4-FFF2-40B4-BE49-F238E27FC236}">
+                <a16:creationId xmlns:a16="http://schemas.microsoft.com/office/drawing/2014/main" id="{70EFE585-79D5-4F0F-A852-9CDFD6D78A72}"/>
+              </a:ext>
+            </a:extLst>
+          </p:cNvPr>
+          <p:cNvSpPr txBox="1"/>
+          <p:nvPr/>
+        </p:nvSpPr>
+        <p:spPr>
+          <a:xfrm>
+            <a:off x="2712979" y="5227182"/>
+            <a:ext cx="5537674" cy="646331"/>
+          </a:xfrm>
+          <a:prstGeom prst="rect">
+            <a:avLst/>
+          </a:prstGeom>
+          <a:noFill/>
+        </p:spPr>
+        <p:txBody>
+          <a:bodyPr wrap="square" rtlCol="0">
+            <a:spAutoFit/>
+          </a:bodyPr>
+          <a:lstStyle/>
+          <a:p>
+            <a:r>
+              <a:rPr lang="en-US" dirty="0"/>
+              <a:t>Ora </a:t>
+            </a:r>
+            <a:r>
+              <a:rPr lang="en-US" dirty="0" err="1"/>
+              <a:t>si</a:t>
+            </a:r>
+            <a:r>
+              <a:rPr lang="en-US" dirty="0"/>
+              <a:t> </a:t>
+            </a:r>
+            <a:r>
+              <a:rPr lang="en-US" dirty="0" err="1"/>
+              <a:t>importa</a:t>
+            </a:r>
+            <a:r>
+              <a:rPr lang="en-US" dirty="0"/>
+              <a:t> il </a:t>
+            </a:r>
+            <a:r>
+              <a:rPr lang="en-US" i="1" dirty="0" err="1"/>
+              <a:t>metadata.tflite</a:t>
+            </a:r>
+            <a:r>
+              <a:rPr lang="en-US" i="1" dirty="0"/>
+              <a:t> </a:t>
+            </a:r>
+            <a:r>
+              <a:rPr lang="en-US" dirty="0"/>
+              <a:t>come file Machine Learning </a:t>
+            </a:r>
+            <a:r>
+              <a:rPr lang="en-US" i="1" dirty="0"/>
+              <a:t>ml</a:t>
+            </a:r>
+            <a:r>
+              <a:rPr lang="en-US" dirty="0"/>
+              <a:t> </a:t>
+            </a:r>
+            <a:r>
+              <a:rPr lang="en-US" dirty="0" err="1"/>
+              <a:t>all’interno</a:t>
+            </a:r>
+            <a:r>
+              <a:rPr lang="en-US" dirty="0"/>
+              <a:t> </a:t>
+            </a:r>
+            <a:r>
+              <a:rPr lang="en-US" dirty="0" err="1"/>
+              <a:t>dell’applicazione</a:t>
+            </a:r>
+            <a:r>
+              <a:rPr lang="en-US" dirty="0"/>
+              <a:t> Android</a:t>
+            </a:r>
+            <a:endParaRPr lang="it-IT" dirty="0"/>
+          </a:p>
+        </p:txBody>
+      </p:sp>
     </p:spTree>
     <p:extLst>
       <p:ext uri="{BB962C8B-B14F-4D97-AF65-F5344CB8AC3E}">
-        <p14:creationId xmlns:p14="http://schemas.microsoft.com/office/powerpoint/2010/main" val="559974040"/>
+        <p14:creationId xmlns:p14="http://schemas.microsoft.com/office/powerpoint/2010/main" val="2652664846"/>
       </p:ext>
     </p:extLst>
   </p:cSld>
@@ -5046,7 +6507,7 @@
           <p:cNvPr id="2" name="Titolo 1">
             <a:extLst>
               <a:ext uri="{FF2B5EF4-FFF2-40B4-BE49-F238E27FC236}">
-                <a16:creationId xmlns:a16="http://schemas.microsoft.com/office/drawing/2014/main" id="{387D8B2F-04F4-47F6-9844-99B286C0E52F}"/>
+                <a16:creationId xmlns:a16="http://schemas.microsoft.com/office/drawing/2014/main" id="{EE577C26-7ACE-487B-A18D-3ADBDF5CF29C}"/>
               </a:ext>
             </a:extLst>
           </p:cNvPr>
@@ -5062,41 +6523,54 @@
           <a:bodyPr/>
           <a:lstStyle/>
           <a:p>
-            <a:endParaRPr lang="it-IT"/>
-          </a:p>
-        </p:txBody>
-      </p:sp>
-      <p:sp>
-        <p:nvSpPr>
-          <p:cNvPr id="3" name="Segnaposto contenuto 2">
-            <a:extLst>
-              <a:ext uri="{FF2B5EF4-FFF2-40B4-BE49-F238E27FC236}">
-                <a16:creationId xmlns:a16="http://schemas.microsoft.com/office/drawing/2014/main" id="{E51938E7-7C91-4562-A618-986BC8F166D0}"/>
-              </a:ext>
-            </a:extLst>
-          </p:cNvPr>
-          <p:cNvSpPr>
-            <a:spLocks noGrp="1"/>
-          </p:cNvSpPr>
+            <a:r>
+              <a:rPr lang="it-IT" dirty="0"/>
+              <a:t>Android</a:t>
+            </a:r>
+          </a:p>
+        </p:txBody>
+      </p:sp>
+      <p:pic>
+        <p:nvPicPr>
+          <p:cNvPr id="8" name="Content Placeholder 7" descr="Diagram&#10;&#10;Description automatically generated with medium confidence">
+            <a:extLst>
+              <a:ext uri="{FF2B5EF4-FFF2-40B4-BE49-F238E27FC236}">
+                <a16:creationId xmlns:a16="http://schemas.microsoft.com/office/drawing/2014/main" id="{C823A9FB-B743-41BD-9BDA-DA0C6FD667AF}"/>
+              </a:ext>
+            </a:extLst>
+          </p:cNvPr>
+          <p:cNvPicPr>
+            <a:picLocks noGrp="1" noChangeAspect="1"/>
+          </p:cNvPicPr>
           <p:nvPr>
             <p:ph idx="1"/>
           </p:nvPr>
-        </p:nvSpPr>
-        <p:spPr/>
-        <p:txBody>
-          <a:bodyPr/>
-          <a:lstStyle/>
-          <a:p>
-            <a:endParaRPr lang="it-IT"/>
-          </a:p>
-        </p:txBody>
-      </p:sp>
+        </p:nvPicPr>
+        <p:blipFill>
+          <a:blip r:embed="rId2">
+            <a:extLst>
+              <a:ext uri="{28A0092B-C50C-407E-A947-70E740481C1C}">
+                <a14:useLocalDpi xmlns:a14="http://schemas.microsoft.com/office/drawing/2010/main" val="0"/>
+              </a:ext>
+            </a:extLst>
+          </a:blip>
+          <a:stretch>
+            <a:fillRect/>
+          </a:stretch>
+        </p:blipFill>
+        <p:spPr>
+          <a:xfrm>
+            <a:off x="7386786" y="1253331"/>
+            <a:ext cx="2447627" cy="4351338"/>
+          </a:xfrm>
+        </p:spPr>
+      </p:pic>
       <p:sp>
         <p:nvSpPr>
           <p:cNvPr id="4" name="Segnaposto data 3">
             <a:extLst>
               <a:ext uri="{FF2B5EF4-FFF2-40B4-BE49-F238E27FC236}">
-                <a16:creationId xmlns:a16="http://schemas.microsoft.com/office/drawing/2014/main" id="{21286095-DBD8-41AF-9468-7B9635CF3641}"/>
+                <a16:creationId xmlns:a16="http://schemas.microsoft.com/office/drawing/2014/main" id="{62FA2536-D1C3-4FA0-BCF9-42425D59659D}"/>
               </a:ext>
             </a:extLst>
           </p:cNvPr>
@@ -5124,7 +6598,7 @@
           <p:cNvPr id="5" name="Segnaposto piè di pagina 4">
             <a:extLst>
               <a:ext uri="{FF2B5EF4-FFF2-40B4-BE49-F238E27FC236}">
-                <a16:creationId xmlns:a16="http://schemas.microsoft.com/office/drawing/2014/main" id="{89C0A663-D05F-4CA1-B12E-C2E737D3DB54}"/>
+                <a16:creationId xmlns:a16="http://schemas.microsoft.com/office/drawing/2014/main" id="{CE6F9BB4-8949-4356-962E-F0E39AFC7CDE}"/>
               </a:ext>
             </a:extLst>
           </p:cNvPr>
@@ -5152,7 +6626,7 @@
           <p:cNvPr id="6" name="Segnaposto numero diapositiva 5">
             <a:extLst>
               <a:ext uri="{FF2B5EF4-FFF2-40B4-BE49-F238E27FC236}">
-                <a16:creationId xmlns:a16="http://schemas.microsoft.com/office/drawing/2014/main" id="{6C0B328A-8B60-471D-8A4E-5C92468AB012}"/>
+                <a16:creationId xmlns:a16="http://schemas.microsoft.com/office/drawing/2014/main" id="{2E80B3EA-83AC-41AD-9830-80275963A01C}"/>
               </a:ext>
             </a:extLst>
           </p:cNvPr>
@@ -5176,10 +6650,116 @@
           </a:p>
         </p:txBody>
       </p:sp>
+      <p:sp>
+        <p:nvSpPr>
+          <p:cNvPr id="11" name="TextBox 10">
+            <a:extLst>
+              <a:ext uri="{FF2B5EF4-FFF2-40B4-BE49-F238E27FC236}">
+                <a16:creationId xmlns:a16="http://schemas.microsoft.com/office/drawing/2014/main" id="{76F7ED3D-CDB5-49FD-9492-0D9556C8C46A}"/>
+              </a:ext>
+            </a:extLst>
+          </p:cNvPr>
+          <p:cNvSpPr txBox="1"/>
+          <p:nvPr/>
+        </p:nvSpPr>
+        <p:spPr>
+          <a:xfrm>
+            <a:off x="838200" y="1690688"/>
+            <a:ext cx="4794191" cy="461665"/>
+          </a:xfrm>
+          <a:prstGeom prst="rect">
+            <a:avLst/>
+          </a:prstGeom>
+          <a:noFill/>
+        </p:spPr>
+        <p:txBody>
+          <a:bodyPr wrap="square" rtlCol="0">
+            <a:spAutoFit/>
+          </a:bodyPr>
+          <a:lstStyle/>
+          <a:p>
+            <a:r>
+              <a:rPr lang="it-IT" sz="2400" b="1" dirty="0"/>
+              <a:t>Interfaccia Home</a:t>
+            </a:r>
+          </a:p>
+        </p:txBody>
+      </p:sp>
+      <p:sp>
+        <p:nvSpPr>
+          <p:cNvPr id="12" name="TextBox 11">
+            <a:extLst>
+              <a:ext uri="{FF2B5EF4-FFF2-40B4-BE49-F238E27FC236}">
+                <a16:creationId xmlns:a16="http://schemas.microsoft.com/office/drawing/2014/main" id="{F73F7873-2B0C-4CF0-BD92-0A68F52E9946}"/>
+              </a:ext>
+            </a:extLst>
+          </p:cNvPr>
+          <p:cNvSpPr txBox="1"/>
+          <p:nvPr/>
+        </p:nvSpPr>
+        <p:spPr>
+          <a:xfrm>
+            <a:off x="982766" y="2580830"/>
+            <a:ext cx="3822450" cy="2308324"/>
+          </a:xfrm>
+          <a:prstGeom prst="rect">
+            <a:avLst/>
+          </a:prstGeom>
+          <a:noFill/>
+        </p:spPr>
+        <p:txBody>
+          <a:bodyPr wrap="square" rtlCol="0">
+            <a:spAutoFit/>
+          </a:bodyPr>
+          <a:lstStyle/>
+          <a:p>
+            <a:pPr marL="285750" indent="-285750">
+              <a:buFont typeface="Arial" panose="020B0604020202020204" pitchFamily="34" charset="0"/>
+              <a:buChar char="•"/>
+            </a:pPr>
+            <a:r>
+              <a:rPr lang="it-IT" dirty="0"/>
+              <a:t>Play Game, al centro per giocare al mini gioco;</a:t>
+            </a:r>
+          </a:p>
+          <a:p>
+            <a:pPr marL="285750" indent="-285750">
+              <a:buFont typeface="Arial" panose="020B0604020202020204" pitchFamily="34" charset="0"/>
+              <a:buChar char="•"/>
+            </a:pPr>
+            <a:r>
+              <a:rPr lang="it-IT" dirty="0" err="1"/>
+              <a:t>Calibration</a:t>
+            </a:r>
+            <a:r>
+              <a:rPr lang="it-IT" dirty="0"/>
+              <a:t>, in alto a sinistra per calibrare la fotocamera prima del gioco;</a:t>
+            </a:r>
+          </a:p>
+          <a:p>
+            <a:pPr marL="285750" indent="-285750">
+              <a:buFont typeface="Arial" panose="020B0604020202020204" pitchFamily="34" charset="0"/>
+              <a:buChar char="•"/>
+            </a:pPr>
+            <a:r>
+              <a:rPr lang="it-IT" dirty="0"/>
+              <a:t>Nerd mode, in alto a destra per filtraggio </a:t>
+            </a:r>
+            <a:r>
+              <a:rPr lang="it-IT" dirty="0" err="1"/>
+              <a:t>real</a:t>
+            </a:r>
+            <a:r>
+              <a:rPr lang="it-IT" dirty="0"/>
+              <a:t> time della fotocamera.</a:t>
+            </a:r>
+          </a:p>
+        </p:txBody>
+      </p:sp>
     </p:spTree>
     <p:extLst>
       <p:ext uri="{BB962C8B-B14F-4D97-AF65-F5344CB8AC3E}">
-        <p14:creationId xmlns:p14="http://schemas.microsoft.com/office/powerpoint/2010/main" val="2652664846"/>
+        <p14:creationId xmlns:p14="http://schemas.microsoft.com/office/powerpoint/2010/main" val="1599499306"/>
       </p:ext>
     </p:extLst>
   </p:cSld>
@@ -5211,7 +6791,7 @@
           <p:cNvPr id="2" name="Titolo 1">
             <a:extLst>
               <a:ext uri="{FF2B5EF4-FFF2-40B4-BE49-F238E27FC236}">
-                <a16:creationId xmlns:a16="http://schemas.microsoft.com/office/drawing/2014/main" id="{EE577C26-7ACE-487B-A18D-3ADBDF5CF29C}"/>
+                <a16:creationId xmlns:a16="http://schemas.microsoft.com/office/drawing/2014/main" id="{7904DD96-398A-484D-9D6A-E9769FCA4BDD}"/>
               </a:ext>
             </a:extLst>
           </p:cNvPr>
@@ -5227,7 +6807,10 @@
           <a:bodyPr/>
           <a:lstStyle/>
           <a:p>
-            <a:endParaRPr lang="it-IT"/>
+            <a:r>
+              <a:rPr lang="it-IT" dirty="0"/>
+              <a:t>Android</a:t>
+            </a:r>
           </a:p>
         </p:txBody>
       </p:sp>
@@ -5236,7 +6819,7 @@
           <p:cNvPr id="3" name="Segnaposto contenuto 2">
             <a:extLst>
               <a:ext uri="{FF2B5EF4-FFF2-40B4-BE49-F238E27FC236}">
-                <a16:creationId xmlns:a16="http://schemas.microsoft.com/office/drawing/2014/main" id="{B9D82C25-B5B5-42B7-8FB8-A8AF822BE779}"/>
+                <a16:creationId xmlns:a16="http://schemas.microsoft.com/office/drawing/2014/main" id="{9A073C9C-9201-44CD-AE3D-C620747D0A37}"/>
               </a:ext>
             </a:extLst>
           </p:cNvPr>
@@ -5247,12 +6830,25 @@
             <p:ph idx="1"/>
           </p:nvPr>
         </p:nvSpPr>
-        <p:spPr/>
-        <p:txBody>
-          <a:bodyPr/>
-          <a:lstStyle/>
-          <a:p>
-            <a:endParaRPr lang="it-IT"/>
+        <p:spPr>
+          <a:xfrm>
+            <a:off x="838200" y="1690688"/>
+            <a:ext cx="9587669" cy="481739"/>
+          </a:xfrm>
+        </p:spPr>
+        <p:txBody>
+          <a:bodyPr>
+            <a:normAutofit/>
+          </a:bodyPr>
+          <a:lstStyle/>
+          <a:p>
+            <a:pPr marL="0" indent="0">
+              <a:buNone/>
+            </a:pPr>
+            <a:r>
+              <a:rPr lang="it-IT" sz="2400" b="1" dirty="0"/>
+              <a:t>Interfaccia Nerd Mode</a:t>
+            </a:r>
           </a:p>
         </p:txBody>
       </p:sp>
@@ -5261,7 +6857,7 @@
           <p:cNvPr id="4" name="Segnaposto data 3">
             <a:extLst>
               <a:ext uri="{FF2B5EF4-FFF2-40B4-BE49-F238E27FC236}">
-                <a16:creationId xmlns:a16="http://schemas.microsoft.com/office/drawing/2014/main" id="{62FA2536-D1C3-4FA0-BCF9-42425D59659D}"/>
+                <a16:creationId xmlns:a16="http://schemas.microsoft.com/office/drawing/2014/main" id="{2058C7E7-5916-498F-A3DC-AA61FD735AF0}"/>
               </a:ext>
             </a:extLst>
           </p:cNvPr>
@@ -5289,7 +6885,7 @@
           <p:cNvPr id="5" name="Segnaposto piè di pagina 4">
             <a:extLst>
               <a:ext uri="{FF2B5EF4-FFF2-40B4-BE49-F238E27FC236}">
-                <a16:creationId xmlns:a16="http://schemas.microsoft.com/office/drawing/2014/main" id="{CE6F9BB4-8949-4356-962E-F0E39AFC7CDE}"/>
+                <a16:creationId xmlns:a16="http://schemas.microsoft.com/office/drawing/2014/main" id="{A96EEA40-7EBC-43DB-A7D6-9CAB3C59E707}"/>
               </a:ext>
             </a:extLst>
           </p:cNvPr>
@@ -5317,7 +6913,7 @@
           <p:cNvPr id="6" name="Segnaposto numero diapositiva 5">
             <a:extLst>
               <a:ext uri="{FF2B5EF4-FFF2-40B4-BE49-F238E27FC236}">
-                <a16:creationId xmlns:a16="http://schemas.microsoft.com/office/drawing/2014/main" id="{2E80B3EA-83AC-41AD-9830-80275963A01C}"/>
+                <a16:creationId xmlns:a16="http://schemas.microsoft.com/office/drawing/2014/main" id="{0765EEFD-7E86-4E68-B8A0-78099667318F}"/>
               </a:ext>
             </a:extLst>
           </p:cNvPr>
@@ -5341,10 +6937,123 @@
           </a:p>
         </p:txBody>
       </p:sp>
+      <p:sp>
+        <p:nvSpPr>
+          <p:cNvPr id="9" name="TextBox 8">
+            <a:extLst>
+              <a:ext uri="{FF2B5EF4-FFF2-40B4-BE49-F238E27FC236}">
+                <a16:creationId xmlns:a16="http://schemas.microsoft.com/office/drawing/2014/main" id="{079D58F1-B01F-4773-A95D-2A1283B65236}"/>
+              </a:ext>
+            </a:extLst>
+          </p:cNvPr>
+          <p:cNvSpPr txBox="1"/>
+          <p:nvPr/>
+        </p:nvSpPr>
+        <p:spPr>
+          <a:xfrm>
+            <a:off x="838200" y="2505754"/>
+            <a:ext cx="6246264" cy="3139321"/>
+          </a:xfrm>
+          <a:prstGeom prst="rect">
+            <a:avLst/>
+          </a:prstGeom>
+          <a:noFill/>
+        </p:spPr>
+        <p:txBody>
+          <a:bodyPr wrap="square" rtlCol="0">
+            <a:spAutoFit/>
+          </a:bodyPr>
+          <a:lstStyle/>
+          <a:p>
+            <a:r>
+              <a:rPr lang="it-IT" dirty="0"/>
+              <a:t>Individua </a:t>
+            </a:r>
+            <a:r>
+              <a:rPr lang="it-IT" dirty="0" err="1"/>
+              <a:t>real</a:t>
+            </a:r>
+            <a:r>
+              <a:rPr lang="it-IT" dirty="0"/>
+              <a:t> time gli occhi della persona, permette di vedere i boxes creati dalla rete neurale attorno agli occhi dell’utente.</a:t>
+            </a:r>
+          </a:p>
+          <a:p>
+            <a:endParaRPr lang="it-IT" dirty="0"/>
+          </a:p>
+          <a:p>
+            <a:r>
+              <a:rPr lang="it-IT" dirty="0"/>
+              <a:t>Interfaccia che presenta </a:t>
+            </a:r>
+            <a:r>
+              <a:rPr lang="it-IT" i="1" dirty="0"/>
+              <a:t>3 bottoni</a:t>
+            </a:r>
+            <a:r>
+              <a:rPr lang="it-IT" dirty="0"/>
+              <a:t>: </a:t>
+            </a:r>
+          </a:p>
+          <a:p>
+            <a:endParaRPr lang="it-IT" dirty="0"/>
+          </a:p>
+          <a:p>
+            <a:pPr marL="285750" indent="-285750">
+              <a:buFont typeface="Arial" panose="020B0604020202020204" pitchFamily="34" charset="0"/>
+              <a:buChar char="•"/>
+            </a:pPr>
+            <a:r>
+              <a:rPr lang="it-IT" b="1" dirty="0"/>
+              <a:t>Preview</a:t>
+            </a:r>
+            <a:r>
+              <a:rPr lang="it-IT" dirty="0"/>
+              <a:t> che permette di avviare la propria fotocamera frontale o esterna; </a:t>
+            </a:r>
+          </a:p>
+          <a:p>
+            <a:pPr marL="285750" indent="-285750">
+              <a:buFont typeface="Arial" panose="020B0604020202020204" pitchFamily="34" charset="0"/>
+              <a:buChar char="•"/>
+            </a:pPr>
+            <a:r>
+              <a:rPr lang="it-IT" b="1" dirty="0" err="1"/>
+              <a:t>Analyze</a:t>
+            </a:r>
+            <a:r>
+              <a:rPr lang="it-IT" dirty="0"/>
+              <a:t> che permette la visualizzazione dei boxes creati dalla rete neurale in </a:t>
+            </a:r>
+            <a:r>
+              <a:rPr lang="it-IT" dirty="0" err="1"/>
+              <a:t>real</a:t>
+            </a:r>
+            <a:r>
+              <a:rPr lang="it-IT" dirty="0"/>
+              <a:t> time;</a:t>
+            </a:r>
+          </a:p>
+          <a:p>
+            <a:pPr marL="285750" indent="-285750">
+              <a:buFont typeface="Arial" panose="020B0604020202020204" pitchFamily="34" charset="0"/>
+              <a:buChar char="•"/>
+            </a:pPr>
+            <a:r>
+              <a:rPr lang="it-IT" b="1" dirty="0"/>
+              <a:t>Fotocamera frontale/esterna</a:t>
+            </a:r>
+            <a:r>
+              <a:rPr lang="it-IT" dirty="0"/>
+              <a:t> per cambiare da una fotocamera all’altra.</a:t>
+            </a:r>
+          </a:p>
+        </p:txBody>
+      </p:sp>
     </p:spTree>
     <p:extLst>
       <p:ext uri="{BB962C8B-B14F-4D97-AF65-F5344CB8AC3E}">
-        <p14:creationId xmlns:p14="http://schemas.microsoft.com/office/powerpoint/2010/main" val="1599499306"/>
+        <p14:creationId xmlns:p14="http://schemas.microsoft.com/office/powerpoint/2010/main" val="2094974589"/>
       </p:ext>
     </p:extLst>
   </p:cSld>
